--- a/UnderstandingGit2/Slides.pptx
+++ b/UnderstandingGit2/Slides.pptx
@@ -5,10 +5,10 @@
     <p:sldMasterId id="2147483687" r:id="rId1"/>
   </p:sldMasterIdLst>
   <p:notesMasterIdLst>
-    <p:notesMasterId r:id="rId56"/>
+    <p:notesMasterId r:id="rId62"/>
   </p:notesMasterIdLst>
   <p:handoutMasterIdLst>
-    <p:handoutMasterId r:id="rId57"/>
+    <p:handoutMasterId r:id="rId63"/>
   </p:handoutMasterIdLst>
   <p:sldIdLst>
     <p:sldId id="662" r:id="rId2"/>
@@ -60,11 +60,17 @@
     <p:sldId id="713" r:id="rId48"/>
     <p:sldId id="714" r:id="rId49"/>
     <p:sldId id="715" r:id="rId50"/>
-    <p:sldId id="717" r:id="rId51"/>
-    <p:sldId id="718" r:id="rId52"/>
-    <p:sldId id="719" r:id="rId53"/>
-    <p:sldId id="720" r:id="rId54"/>
-    <p:sldId id="664" r:id="rId55"/>
+    <p:sldId id="722" r:id="rId51"/>
+    <p:sldId id="717" r:id="rId52"/>
+    <p:sldId id="721" r:id="rId53"/>
+    <p:sldId id="718" r:id="rId54"/>
+    <p:sldId id="719" r:id="rId55"/>
+    <p:sldId id="720" r:id="rId56"/>
+    <p:sldId id="726" r:id="rId57"/>
+    <p:sldId id="725" r:id="rId58"/>
+    <p:sldId id="723" r:id="rId59"/>
+    <p:sldId id="724" r:id="rId60"/>
+    <p:sldId id="664" r:id="rId61"/>
   </p:sldIdLst>
   <p:sldSz cx="12192000" cy="6858000"/>
   <p:notesSz cx="6858000" cy="9144000"/>
@@ -237,18 +243,24 @@
         </p14:section>
         <p14:section name="Disaster Recovery" id="{E3CAF024-1CE8-4454-8C7B-03A8A659E2D0}">
           <p14:sldIdLst>
+            <p14:sldId id="722"/>
             <p14:sldId id="717"/>
           </p14:sldIdLst>
         </p14:section>
         <p14:section name="Power Tools" id="{6E3C072E-DF2D-4491-8770-727BC5DE721D}">
           <p14:sldIdLst>
+            <p14:sldId id="721"/>
             <p14:sldId id="718"/>
             <p14:sldId id="719"/>
             <p14:sldId id="720"/>
+            <p14:sldId id="726"/>
+            <p14:sldId id="725"/>
           </p14:sldIdLst>
         </p14:section>
         <p14:section name="Outro" id="{15EC4827-0B8A-4FAD-B420-6F48CF462231}">
           <p14:sldIdLst>
+            <p14:sldId id="723"/>
+            <p14:sldId id="724"/>
             <p14:sldId id="664"/>
           </p14:sldIdLst>
         </p14:section>
@@ -5440,7 +5452,7 @@
           <a:bodyPr/>
           <a:lstStyle/>
           <a:p>
-            <a:fld id="{85793A9D-7BB8-4D19-8BD7-02B7E53C536E}" type="datetime1">
+            <a:fld id="{B459B578-5EF6-4B41-9A86-58CED86B207A}" type="datetime1">
               <a:rPr lang="en-US" smtClean="0"/>
               <a:t>8/10/2016</a:t>
             </a:fld>
@@ -5722,7 +5734,7 @@
           <a:bodyPr/>
           <a:lstStyle/>
           <a:p>
-            <a:fld id="{90E07159-E71E-4CAA-BF40-4CD02CB54407}" type="datetime1">
+            <a:fld id="{0321078B-4CBA-46CC-8A61-FEC2D01BB2D2}" type="datetime1">
               <a:rPr lang="en-US" smtClean="0"/>
               <a:t>8/10/2016</a:t>
             </a:fld>
@@ -5932,7 +5944,7 @@
           <a:bodyPr/>
           <a:lstStyle/>
           <a:p>
-            <a:fld id="{FE8687B5-7E5E-41C9-93AC-E499B34A64BD}" type="datetime1">
+            <a:fld id="{BE65AB9F-43BD-425F-93C7-E9E68E00B96E}" type="datetime1">
               <a:rPr lang="en-US" smtClean="0"/>
               <a:t>8/10/2016</a:t>
             </a:fld>
@@ -6209,7 +6221,7 @@
           <a:bodyPr/>
           <a:lstStyle/>
           <a:p>
-            <a:fld id="{AFA654BF-8AEF-4B21-A1B1-B5A08F90FFED}" type="datetime1">
+            <a:fld id="{655D3C86-00B5-44E5-B520-B0EE1AD65D2D}" type="datetime1">
               <a:rPr lang="en-US" smtClean="0"/>
               <a:t>8/10/2016</a:t>
             </a:fld>
@@ -6657,7 +6669,7 @@
           <a:bodyPr/>
           <a:lstStyle/>
           <a:p>
-            <a:fld id="{A21842CB-63FD-4E5C-BFBB-6C162C93BC12}" type="datetime1">
+            <a:fld id="{DDB6FD7A-1686-458F-9DA0-A06B512363B8}" type="datetime1">
               <a:rPr lang="en-US" smtClean="0"/>
               <a:t>8/10/2016</a:t>
             </a:fld>
@@ -7217,7 +7229,7 @@
           <a:bodyPr/>
           <a:lstStyle/>
           <a:p>
-            <a:fld id="{759EA2D3-B3ED-4D3C-BCBE-ACE206D5C3A7}" type="datetime1">
+            <a:fld id="{206A3A73-F40D-4A1F-8890-CDAE20C2D54C}" type="datetime1">
               <a:rPr lang="en-US" smtClean="0"/>
               <a:t>8/10/2016</a:t>
             </a:fld>
@@ -7951,7 +7963,7 @@
           <a:bodyPr/>
           <a:lstStyle/>
           <a:p>
-            <a:fld id="{0FC685B8-6BFA-4BED-A79F-887360139928}" type="datetime1">
+            <a:fld id="{4A6E4F9A-42AF-41D7-B9DA-BD62B4574F9B}" type="datetime1">
               <a:rPr lang="en-US" smtClean="0"/>
               <a:t>8/10/2016</a:t>
             </a:fld>
@@ -8147,7 +8159,7 @@
           <a:bodyPr/>
           <a:lstStyle/>
           <a:p>
-            <a:fld id="{A936EB9A-AE0D-43BC-A94D-B096617A2C1C}" type="datetime1">
+            <a:fld id="{70752AE0-CF4C-452A-91E1-8960EFE4639A}" type="datetime1">
               <a:rPr lang="en-US" smtClean="0"/>
               <a:t>8/10/2016</a:t>
             </a:fld>
@@ -8338,7 +8350,7 @@
           <a:bodyPr/>
           <a:lstStyle/>
           <a:p>
-            <a:fld id="{A812EE39-8EB6-404A-9381-38458C73718A}" type="datetime1">
+            <a:fld id="{ED2C2B59-F732-49BF-944A-368D86263FD3}" type="datetime1">
               <a:rPr lang="en-US" smtClean="0"/>
               <a:t>8/10/2016</a:t>
             </a:fld>
@@ -8647,7 +8659,7 @@
           <a:bodyPr/>
           <a:lstStyle/>
           <a:p>
-            <a:fld id="{4A39D5F5-69AD-41B7-9034-DE5F193F73BA}" type="datetime1">
+            <a:fld id="{A1977C63-23D2-4A97-B4C3-0367EE114A09}" type="datetime1">
               <a:rPr lang="en-US" smtClean="0"/>
               <a:t>8/10/2016</a:t>
             </a:fld>
@@ -8911,7 +8923,7 @@
           <a:bodyPr/>
           <a:lstStyle/>
           <a:p>
-            <a:fld id="{99055BA2-3F67-40C1-804B-9C4DE5B1C407}" type="datetime1">
+            <a:fld id="{80767D78-959C-43E7-8C7E-8E70B4D2BA39}" type="datetime1">
               <a:rPr lang="en-US" smtClean="0"/>
               <a:t>8/10/2016</a:t>
             </a:fld>
@@ -9157,7 +9169,7 @@
           <a:bodyPr/>
           <a:lstStyle/>
           <a:p>
-            <a:fld id="{07CBC67A-8865-405B-BA20-EEB66CEFD3DB}" type="datetime1">
+            <a:fld id="{F58F12E9-5904-4C68-81F1-CBB11FBD3683}" type="datetime1">
               <a:rPr lang="en-US" smtClean="0"/>
               <a:t>8/10/2016</a:t>
             </a:fld>
@@ -9552,7 +9564,7 @@
           <a:bodyPr/>
           <a:lstStyle/>
           <a:p>
-            <a:fld id="{2BDA7FC2-8A27-4C5E-A3F1-3EBFEC707A1D}" type="datetime1">
+            <a:fld id="{B87F6619-2916-4209-8166-730779BEB5ED}" type="datetime1">
               <a:rPr lang="en-US" smtClean="0"/>
               <a:t>8/10/2016</a:t>
             </a:fld>
@@ -9697,7 +9709,7 @@
           <a:bodyPr/>
           <a:lstStyle/>
           <a:p>
-            <a:fld id="{7E2E30DB-1856-4551-B033-9561232952AF}" type="datetime1">
+            <a:fld id="{DD712D1B-ACDA-41C4-A520-4E4AD467DC4E}" type="datetime1">
               <a:rPr lang="en-US" smtClean="0"/>
               <a:t>8/10/2016</a:t>
             </a:fld>
@@ -9806,7 +9818,7 @@
           <a:bodyPr/>
           <a:lstStyle/>
           <a:p>
-            <a:fld id="{A45F9BC6-B715-41C2-B740-849358F6F899}" type="datetime1">
+            <a:fld id="{088F22BD-B1F8-4815-84F5-029A1310BE7E}" type="datetime1">
               <a:rPr lang="en-US" smtClean="0"/>
               <a:t>8/10/2016</a:t>
             </a:fld>
@@ -10069,7 +10081,7 @@
           <a:bodyPr/>
           <a:lstStyle/>
           <a:p>
-            <a:fld id="{DD4EC48B-CF56-4352-A9C6-D3F60B91AF6D}" type="datetime1">
+            <a:fld id="{E9E58CA8-C729-4995-9B95-E95155728651}" type="datetime1">
               <a:rPr lang="en-US" smtClean="0"/>
               <a:t>8/10/2016</a:t>
             </a:fld>
@@ -10363,7 +10375,7 @@
           <a:bodyPr/>
           <a:lstStyle/>
           <a:p>
-            <a:fld id="{2B3B2203-ABF7-40A5-A4AC-F5113190BD83}" type="datetime1">
+            <a:fld id="{C91C9231-8B01-49DD-8058-E68B0CB93E3B}" type="datetime1">
               <a:rPr lang="en-US" smtClean="0"/>
               <a:t>8/10/2016</a:t>
             </a:fld>
@@ -13472,7 +13484,7 @@
             </a:lvl1pPr>
           </a:lstStyle>
           <a:p>
-            <a:fld id="{A1176E81-01D6-4E43-8C5C-367765194AB1}" type="datetime1">
+            <a:fld id="{BA99DAC5-C4BE-4869-A566-89CA31E4CD3A}" type="datetime1">
               <a:rPr lang="en-US" smtClean="0"/>
               <a:t>8/10/2016</a:t>
             </a:fld>
@@ -14220,7 +14232,7 @@
         </p:spPr>
         <p:txBody>
           <a:bodyPr vert="horz" lIns="91440" tIns="45720" rIns="91440" bIns="45720" rtlCol="0" anchor="ctr">
-            <a:normAutofit lnSpcReduction="10000"/>
+            <a:normAutofit/>
           </a:bodyPr>
           <a:lstStyle>
             <a:lvl1pPr algn="ctr" defTabSz="457200" rtl="0" eaLnBrk="1" latinLnBrk="0" hangingPunct="1">
@@ -14239,7 +14251,6 @@
             </a:lvl1pPr>
           </a:lstStyle>
           <a:p>
-            <a:pPr algn="l"/>
             <a:r>
               <a:rPr lang="en-US" sz="2600" dirty="0" smtClean="0">
                 <a:solidFill>
@@ -14259,7 +14270,6 @@
             </a:endParaRPr>
           </a:p>
           <a:p>
-            <a:pPr algn="l"/>
             <a:r>
               <a:rPr lang="en-US" sz="2600" b="1" dirty="0" smtClean="0">
                 <a:solidFill>
@@ -14285,88 +14295,6 @@
                 <a:srgbClr val="EFAD2D"/>
               </a:solidFill>
               <a:latin typeface="Arial Narrow" panose="020B0606020202030204" pitchFamily="34" charset="0"/>
-              <a:ea typeface="DotumChe" panose="020B0609000101010101" pitchFamily="49" charset="-127"/>
-            </a:endParaRPr>
-          </a:p>
-          <a:p>
-            <a:pPr algn="l"/>
-            <a:endParaRPr lang="en-US" sz="2600" dirty="0" smtClean="0">
-              <a:solidFill>
-                <a:srgbClr val="EFAD2D"/>
-              </a:solidFill>
-              <a:latin typeface="Arial Narrow" panose="020B0606020202030204" pitchFamily="34" charset="0"/>
-              <a:ea typeface="DotumChe" panose="020B0609000101010101" pitchFamily="49" charset="-127"/>
-            </a:endParaRPr>
-          </a:p>
-          <a:p>
-            <a:r>
-              <a:rPr lang="en-US" sz="2600" dirty="0" smtClean="0">
-                <a:solidFill>
-                  <a:srgbClr val="EFAD2D"/>
-                </a:solidFill>
-                <a:latin typeface="Arial Narrow" panose="020B0606020202030204" pitchFamily="34" charset="0"/>
-                <a:ea typeface="DotumChe" panose="020B0609000101010101" pitchFamily="49" charset="-127"/>
-              </a:rPr>
-              <a:t>w special guest</a:t>
-            </a:r>
-          </a:p>
-          <a:p>
-            <a:pPr algn="r"/>
-            <a:endParaRPr lang="en-US" sz="2600" dirty="0" smtClean="0">
-              <a:solidFill>
-                <a:srgbClr val="EFAD2D"/>
-              </a:solidFill>
-              <a:latin typeface="Arial Narrow" panose="020B0606020202030204" pitchFamily="34" charset="0"/>
-              <a:ea typeface="DotumChe" panose="020B0609000101010101" pitchFamily="49" charset="-127"/>
-            </a:endParaRPr>
-          </a:p>
-          <a:p>
-            <a:pPr algn="r"/>
-            <a:r>
-              <a:rPr lang="en-US" sz="2600" dirty="0" smtClean="0">
-                <a:solidFill>
-                  <a:srgbClr val="EFAD2D"/>
-                </a:solidFill>
-                <a:latin typeface="Arial Narrow" panose="020B0606020202030204" pitchFamily="34" charset="0"/>
-                <a:ea typeface="DotumChe" panose="020B0609000101010101" pitchFamily="49" charset="-127"/>
-              </a:rPr>
-              <a:t>Cori Drew</a:t>
-            </a:r>
-            <a:endParaRPr lang="en-US" sz="2600" dirty="0" smtClean="0">
-              <a:solidFill>
-                <a:srgbClr val="EFAD2D"/>
-              </a:solidFill>
-              <a:latin typeface="Arial Narrow" panose="020B0606020202030204" pitchFamily="34" charset="0"/>
-              <a:ea typeface="DotumChe" panose="020B0609000101010101" pitchFamily="49" charset="-127"/>
-            </a:endParaRPr>
-          </a:p>
-          <a:p>
-            <a:pPr algn="r"/>
-            <a:r>
-              <a:rPr lang="en-US" sz="2600" b="1" dirty="0" smtClean="0">
-                <a:solidFill>
-                  <a:srgbClr val="EFAD2D"/>
-                </a:solidFill>
-                <a:latin typeface="Arial Narrow" panose="020B0606020202030204" pitchFamily="34" charset="0"/>
-                <a:ea typeface="DotumChe" panose="020B0609000101010101" pitchFamily="49" charset="-127"/>
-              </a:rPr>
-              <a:t>@</a:t>
-            </a:r>
-            <a:r>
-              <a:rPr lang="en-US" sz="2600" b="1" dirty="0" err="1" smtClean="0">
-                <a:solidFill>
-                  <a:srgbClr val="EFAD2D"/>
-                </a:solidFill>
-                <a:latin typeface="Arial Narrow" panose="020B0606020202030204" pitchFamily="34" charset="0"/>
-                <a:ea typeface="DotumChe" panose="020B0609000101010101" pitchFamily="49" charset="-127"/>
-              </a:rPr>
-              <a:t>coridrew</a:t>
-            </a:r>
-            <a:endParaRPr lang="en-US" sz="2600" b="1" dirty="0">
-              <a:solidFill>
-                <a:srgbClr val="EFAD2D"/>
-              </a:solidFill>
-              <a:latin typeface="Calibri" panose="020F0502020204030204" pitchFamily="34" charset="0"/>
               <a:ea typeface="DotumChe" panose="020B0609000101010101" pitchFamily="49" charset="-127"/>
             </a:endParaRPr>
           </a:p>
@@ -15548,6 +15476,32 @@
           </a:fontRef>
         </p:style>
       </p:cxnSp>
+      <p:sp>
+        <p:nvSpPr>
+          <p:cNvPr id="2" name="Footer Placeholder 1"/>
+          <p:cNvSpPr>
+            <a:spLocks noGrp="1"/>
+          </p:cNvSpPr>
+          <p:nvPr>
+            <p:ph type="ftr" sz="quarter" idx="11"/>
+          </p:nvPr>
+        </p:nvSpPr>
+        <p:spPr/>
+        <p:txBody>
+          <a:bodyPr/>
+          <a:lstStyle/>
+          <a:p>
+            <a:pPr>
+              <a:defRPr/>
+            </a:pPr>
+            <a:r>
+              <a:rPr lang="en-US" smtClean="0"/>
+              <a:t>@dahlbyk #ThatConference</a:t>
+            </a:r>
+            <a:endParaRPr lang="en-US" dirty="0"/>
+          </a:p>
+        </p:txBody>
+      </p:sp>
     </p:spTree>
     <p:extLst>
       <p:ext uri="{BB962C8B-B14F-4D97-AF65-F5344CB8AC3E}">
@@ -16097,6 +16051,32 @@
           </a:p>
         </p:txBody>
       </p:sp>
+      <p:sp>
+        <p:nvSpPr>
+          <p:cNvPr id="2" name="Footer Placeholder 1"/>
+          <p:cNvSpPr>
+            <a:spLocks noGrp="1"/>
+          </p:cNvSpPr>
+          <p:nvPr>
+            <p:ph type="ftr" sz="quarter" idx="11"/>
+          </p:nvPr>
+        </p:nvSpPr>
+        <p:spPr/>
+        <p:txBody>
+          <a:bodyPr/>
+          <a:lstStyle/>
+          <a:p>
+            <a:pPr>
+              <a:defRPr/>
+            </a:pPr>
+            <a:r>
+              <a:rPr lang="en-US" smtClean="0"/>
+              <a:t>@dahlbyk #ThatConference</a:t>
+            </a:r>
+            <a:endParaRPr lang="en-US" dirty="0"/>
+          </a:p>
+        </p:txBody>
+      </p:sp>
     </p:spTree>
     <p:extLst>
       <p:ext uri="{BB962C8B-B14F-4D97-AF65-F5344CB8AC3E}">
@@ -16469,6 +16449,32 @@
           </a:fontRef>
         </p:style>
       </p:cxnSp>
+      <p:sp>
+        <p:nvSpPr>
+          <p:cNvPr id="2" name="Footer Placeholder 1"/>
+          <p:cNvSpPr>
+            <a:spLocks noGrp="1"/>
+          </p:cNvSpPr>
+          <p:nvPr>
+            <p:ph type="ftr" sz="quarter" idx="11"/>
+          </p:nvPr>
+        </p:nvSpPr>
+        <p:spPr/>
+        <p:txBody>
+          <a:bodyPr/>
+          <a:lstStyle/>
+          <a:p>
+            <a:pPr>
+              <a:defRPr/>
+            </a:pPr>
+            <a:r>
+              <a:rPr lang="en-US" smtClean="0"/>
+              <a:t>@dahlbyk #ThatConference</a:t>
+            </a:r>
+            <a:endParaRPr lang="en-US" dirty="0"/>
+          </a:p>
+        </p:txBody>
+      </p:sp>
     </p:spTree>
     <p:extLst>
       <p:ext uri="{BB962C8B-B14F-4D97-AF65-F5344CB8AC3E}">
@@ -17176,6 +17182,32 @@
           </a:p>
         </p:txBody>
       </p:sp>
+      <p:sp>
+        <p:nvSpPr>
+          <p:cNvPr id="2" name="Footer Placeholder 1"/>
+          <p:cNvSpPr>
+            <a:spLocks noGrp="1"/>
+          </p:cNvSpPr>
+          <p:nvPr>
+            <p:ph type="ftr" sz="quarter" idx="11"/>
+          </p:nvPr>
+        </p:nvSpPr>
+        <p:spPr/>
+        <p:txBody>
+          <a:bodyPr/>
+          <a:lstStyle/>
+          <a:p>
+            <a:pPr>
+              <a:defRPr/>
+            </a:pPr>
+            <a:r>
+              <a:rPr lang="en-US" smtClean="0"/>
+              <a:t>@dahlbyk #ThatConference</a:t>
+            </a:r>
+            <a:endParaRPr lang="en-US" dirty="0"/>
+          </a:p>
+        </p:txBody>
+      </p:sp>
     </p:spTree>
     <p:extLst>
       <p:ext uri="{BB962C8B-B14F-4D97-AF65-F5344CB8AC3E}">
@@ -17584,6 +17616,32 @@
           </a:fontRef>
         </p:style>
       </p:cxnSp>
+      <p:sp>
+        <p:nvSpPr>
+          <p:cNvPr id="2" name="Footer Placeholder 1"/>
+          <p:cNvSpPr>
+            <a:spLocks noGrp="1"/>
+          </p:cNvSpPr>
+          <p:nvPr>
+            <p:ph type="ftr" sz="quarter" idx="11"/>
+          </p:nvPr>
+        </p:nvSpPr>
+        <p:spPr/>
+        <p:txBody>
+          <a:bodyPr/>
+          <a:lstStyle/>
+          <a:p>
+            <a:pPr>
+              <a:defRPr/>
+            </a:pPr>
+            <a:r>
+              <a:rPr lang="en-US" smtClean="0"/>
+              <a:t>@dahlbyk #ThatConference</a:t>
+            </a:r>
+            <a:endParaRPr lang="en-US" dirty="0"/>
+          </a:p>
+        </p:txBody>
+      </p:sp>
     </p:spTree>
     <p:extLst>
       <p:ext uri="{BB962C8B-B14F-4D97-AF65-F5344CB8AC3E}">
@@ -18039,6 +18097,32 @@
           </a:p>
         </p:txBody>
       </p:sp>
+      <p:sp>
+        <p:nvSpPr>
+          <p:cNvPr id="2" name="Footer Placeholder 1"/>
+          <p:cNvSpPr>
+            <a:spLocks noGrp="1"/>
+          </p:cNvSpPr>
+          <p:nvPr>
+            <p:ph type="ftr" sz="quarter" idx="11"/>
+          </p:nvPr>
+        </p:nvSpPr>
+        <p:spPr/>
+        <p:txBody>
+          <a:bodyPr/>
+          <a:lstStyle/>
+          <a:p>
+            <a:pPr>
+              <a:defRPr/>
+            </a:pPr>
+            <a:r>
+              <a:rPr lang="en-US" smtClean="0"/>
+              <a:t>@dahlbyk #ThatConference</a:t>
+            </a:r>
+            <a:endParaRPr lang="en-US" dirty="0"/>
+          </a:p>
+        </p:txBody>
+      </p:sp>
     </p:spTree>
     <p:extLst>
       <p:ext uri="{BB962C8B-B14F-4D97-AF65-F5344CB8AC3E}">
@@ -18991,6 +19075,32 @@
           <a:p>
             <a:pPr algn="ctr"/>
             <a:endParaRPr lang="en-US"/>
+          </a:p>
+        </p:txBody>
+      </p:sp>
+      <p:sp>
+        <p:nvSpPr>
+          <p:cNvPr id="2" name="Footer Placeholder 1"/>
+          <p:cNvSpPr>
+            <a:spLocks noGrp="1"/>
+          </p:cNvSpPr>
+          <p:nvPr>
+            <p:ph type="ftr" sz="quarter" idx="11"/>
+          </p:nvPr>
+        </p:nvSpPr>
+        <p:spPr/>
+        <p:txBody>
+          <a:bodyPr/>
+          <a:lstStyle/>
+          <a:p>
+            <a:pPr>
+              <a:defRPr/>
+            </a:pPr>
+            <a:r>
+              <a:rPr lang="en-US" smtClean="0"/>
+              <a:t>@dahlbyk #ThatConference</a:t>
+            </a:r>
+            <a:endParaRPr lang="en-US" dirty="0"/>
           </a:p>
         </p:txBody>
       </p:sp>
@@ -20016,6 +20126,32 @@
           </a:p>
         </p:txBody>
       </p:sp>
+      <p:sp>
+        <p:nvSpPr>
+          <p:cNvPr id="2" name="Footer Placeholder 1"/>
+          <p:cNvSpPr>
+            <a:spLocks noGrp="1"/>
+          </p:cNvSpPr>
+          <p:nvPr>
+            <p:ph type="ftr" sz="quarter" idx="11"/>
+          </p:nvPr>
+        </p:nvSpPr>
+        <p:spPr/>
+        <p:txBody>
+          <a:bodyPr/>
+          <a:lstStyle/>
+          <a:p>
+            <a:pPr>
+              <a:defRPr/>
+            </a:pPr>
+            <a:r>
+              <a:rPr lang="en-US" smtClean="0"/>
+              <a:t>@dahlbyk #ThatConference</a:t>
+            </a:r>
+            <a:endParaRPr lang="en-US" dirty="0"/>
+          </a:p>
+        </p:txBody>
+      </p:sp>
     </p:spTree>
     <p:extLst>
       <p:ext uri="{BB962C8B-B14F-4D97-AF65-F5344CB8AC3E}">
@@ -21001,6 +21137,32 @@
           </a:p>
         </p:txBody>
       </p:sp>
+      <p:sp>
+        <p:nvSpPr>
+          <p:cNvPr id="2" name="Footer Placeholder 1"/>
+          <p:cNvSpPr>
+            <a:spLocks noGrp="1"/>
+          </p:cNvSpPr>
+          <p:nvPr>
+            <p:ph type="ftr" sz="quarter" idx="11"/>
+          </p:nvPr>
+        </p:nvSpPr>
+        <p:spPr/>
+        <p:txBody>
+          <a:bodyPr/>
+          <a:lstStyle/>
+          <a:p>
+            <a:pPr>
+              <a:defRPr/>
+            </a:pPr>
+            <a:r>
+              <a:rPr lang="en-US" smtClean="0"/>
+              <a:t>@dahlbyk #ThatConference</a:t>
+            </a:r>
+            <a:endParaRPr lang="en-US" dirty="0"/>
+          </a:p>
+        </p:txBody>
+      </p:sp>
     </p:spTree>
     <p:extLst>
       <p:ext uri="{BB962C8B-B14F-4D97-AF65-F5344CB8AC3E}">
@@ -22403,6 +22565,32 @@
           </a:p>
         </p:txBody>
       </p:sp>
+      <p:sp>
+        <p:nvSpPr>
+          <p:cNvPr id="2" name="Footer Placeholder 1"/>
+          <p:cNvSpPr>
+            <a:spLocks noGrp="1"/>
+          </p:cNvSpPr>
+          <p:nvPr>
+            <p:ph type="ftr" sz="quarter" idx="11"/>
+          </p:nvPr>
+        </p:nvSpPr>
+        <p:spPr/>
+        <p:txBody>
+          <a:bodyPr/>
+          <a:lstStyle/>
+          <a:p>
+            <a:pPr>
+              <a:defRPr/>
+            </a:pPr>
+            <a:r>
+              <a:rPr lang="en-US" smtClean="0"/>
+              <a:t>@dahlbyk #ThatConference</a:t>
+            </a:r>
+            <a:endParaRPr lang="en-US" dirty="0"/>
+          </a:p>
+        </p:txBody>
+      </p:sp>
     </p:spTree>
     <p:extLst>
       <p:ext uri="{BB962C8B-B14F-4D97-AF65-F5344CB8AC3E}">
@@ -22940,6 +23128,32 @@
           </a:fontRef>
         </p:style>
       </p:cxnSp>
+      <p:sp>
+        <p:nvSpPr>
+          <p:cNvPr id="2" name="Footer Placeholder 1"/>
+          <p:cNvSpPr>
+            <a:spLocks noGrp="1"/>
+          </p:cNvSpPr>
+          <p:nvPr>
+            <p:ph type="ftr" sz="quarter" idx="11"/>
+          </p:nvPr>
+        </p:nvSpPr>
+        <p:spPr/>
+        <p:txBody>
+          <a:bodyPr/>
+          <a:lstStyle/>
+          <a:p>
+            <a:pPr>
+              <a:defRPr/>
+            </a:pPr>
+            <a:r>
+              <a:rPr lang="en-US" smtClean="0"/>
+              <a:t>@dahlbyk #ThatConference</a:t>
+            </a:r>
+            <a:endParaRPr lang="en-US" dirty="0"/>
+          </a:p>
+        </p:txBody>
+      </p:sp>
     </p:spTree>
     <p:extLst>
       <p:ext uri="{BB962C8B-B14F-4D97-AF65-F5344CB8AC3E}">
@@ -23861,6 +24075,32 @@
               </a:rPr>
               <a:t>nothing to commit, working directory clean</a:t>
             </a:r>
+          </a:p>
+        </p:txBody>
+      </p:sp>
+      <p:sp>
+        <p:nvSpPr>
+          <p:cNvPr id="3" name="Footer Placeholder 2"/>
+          <p:cNvSpPr>
+            <a:spLocks noGrp="1"/>
+          </p:cNvSpPr>
+          <p:nvPr>
+            <p:ph type="ftr" sz="quarter" idx="11"/>
+          </p:nvPr>
+        </p:nvSpPr>
+        <p:spPr/>
+        <p:txBody>
+          <a:bodyPr/>
+          <a:lstStyle/>
+          <a:p>
+            <a:pPr>
+              <a:defRPr/>
+            </a:pPr>
+            <a:r>
+              <a:rPr lang="en-US" smtClean="0"/>
+              <a:t>@dahlbyk #ThatConference</a:t>
+            </a:r>
+            <a:endParaRPr lang="en-US" dirty="0"/>
           </a:p>
         </p:txBody>
       </p:sp>
@@ -24795,6 +25035,32 @@
           </a:p>
         </p:txBody>
       </p:sp>
+      <p:sp>
+        <p:nvSpPr>
+          <p:cNvPr id="2" name="Footer Placeholder 1"/>
+          <p:cNvSpPr>
+            <a:spLocks noGrp="1"/>
+          </p:cNvSpPr>
+          <p:nvPr>
+            <p:ph type="ftr" sz="quarter" idx="11"/>
+          </p:nvPr>
+        </p:nvSpPr>
+        <p:spPr/>
+        <p:txBody>
+          <a:bodyPr/>
+          <a:lstStyle/>
+          <a:p>
+            <a:pPr>
+              <a:defRPr/>
+            </a:pPr>
+            <a:r>
+              <a:rPr lang="en-US" smtClean="0"/>
+              <a:t>@dahlbyk #ThatConference</a:t>
+            </a:r>
+            <a:endParaRPr lang="en-US" dirty="0"/>
+          </a:p>
+        </p:txBody>
+      </p:sp>
     </p:spTree>
     <p:extLst>
       <p:ext uri="{BB962C8B-B14F-4D97-AF65-F5344CB8AC3E}">
@@ -25617,6 +25883,32 @@
           </a:p>
         </p:txBody>
       </p:sp>
+      <p:sp>
+        <p:nvSpPr>
+          <p:cNvPr id="3" name="Footer Placeholder 2"/>
+          <p:cNvSpPr>
+            <a:spLocks noGrp="1"/>
+          </p:cNvSpPr>
+          <p:nvPr>
+            <p:ph type="ftr" sz="quarter" idx="11"/>
+          </p:nvPr>
+        </p:nvSpPr>
+        <p:spPr/>
+        <p:txBody>
+          <a:bodyPr/>
+          <a:lstStyle/>
+          <a:p>
+            <a:pPr>
+              <a:defRPr/>
+            </a:pPr>
+            <a:r>
+              <a:rPr lang="en-US" smtClean="0"/>
+              <a:t>@dahlbyk #ThatConference</a:t>
+            </a:r>
+            <a:endParaRPr lang="en-US" dirty="0"/>
+          </a:p>
+        </p:txBody>
+      </p:sp>
     </p:spTree>
     <p:extLst>
       <p:ext uri="{BB962C8B-B14F-4D97-AF65-F5344CB8AC3E}">
@@ -26246,7 +26538,19 @@
               <a:rPr lang="en-US" dirty="0" smtClean="0">
                 <a:latin typeface="Consolas" panose="020B0609020204030204" pitchFamily="49" charset="0"/>
               </a:rPr>
-              <a:t> push origin HEAD</a:t>
+              <a:t> push origin </a:t>
+            </a:r>
+            <a:r>
+              <a:rPr lang="en-US" dirty="0" err="1" smtClean="0">
+                <a:latin typeface="Consolas" panose="020B0609020204030204" pitchFamily="49" charset="0"/>
+              </a:rPr>
+              <a:t>HEAD:dahlbyk</a:t>
+            </a:r>
+            <a:r>
+              <a:rPr lang="en-US" dirty="0" smtClean="0">
+                <a:latin typeface="Consolas" panose="020B0609020204030204" pitchFamily="49" charset="0"/>
+              </a:rPr>
+              <a:t>/bar</a:t>
             </a:r>
             <a:endParaRPr lang="en-US" dirty="0">
               <a:latin typeface="Consolas" panose="020B0609020204030204" pitchFamily="49" charset="0"/>
@@ -26711,6 +27015,32 @@
           <a:p>
             <a:pPr algn="ctr"/>
             <a:endParaRPr lang="en-US"/>
+          </a:p>
+        </p:txBody>
+      </p:sp>
+      <p:sp>
+        <p:nvSpPr>
+          <p:cNvPr id="2" name="Footer Placeholder 1"/>
+          <p:cNvSpPr>
+            <a:spLocks noGrp="1"/>
+          </p:cNvSpPr>
+          <p:nvPr>
+            <p:ph type="ftr" sz="quarter" idx="11"/>
+          </p:nvPr>
+        </p:nvSpPr>
+        <p:spPr/>
+        <p:txBody>
+          <a:bodyPr/>
+          <a:lstStyle/>
+          <a:p>
+            <a:pPr>
+              <a:defRPr/>
+            </a:pPr>
+            <a:r>
+              <a:rPr lang="en-US" smtClean="0"/>
+              <a:t>@dahlbyk #ThatConference</a:t>
+            </a:r>
+            <a:endParaRPr lang="en-US" dirty="0"/>
           </a:p>
         </p:txBody>
       </p:sp>
@@ -27367,6 +27697,32 @@
               </a:rPr>
               <a:t>There is no tracking information for the current branch.</a:t>
             </a:r>
+          </a:p>
+        </p:txBody>
+      </p:sp>
+      <p:sp>
+        <p:nvSpPr>
+          <p:cNvPr id="2" name="Footer Placeholder 1"/>
+          <p:cNvSpPr>
+            <a:spLocks noGrp="1"/>
+          </p:cNvSpPr>
+          <p:nvPr>
+            <p:ph type="ftr" sz="quarter" idx="11"/>
+          </p:nvPr>
+        </p:nvSpPr>
+        <p:spPr/>
+        <p:txBody>
+          <a:bodyPr/>
+          <a:lstStyle/>
+          <a:p>
+            <a:pPr>
+              <a:defRPr/>
+            </a:pPr>
+            <a:r>
+              <a:rPr lang="en-US" smtClean="0"/>
+              <a:t>@dahlbyk #ThatConference</a:t>
+            </a:r>
+            <a:endParaRPr lang="en-US" dirty="0"/>
           </a:p>
         </p:txBody>
       </p:sp>
@@ -27701,32 +28057,6 @@
           </a:extLst>
         </p:spPr>
       </p:pic>
-      <p:sp>
-        <p:nvSpPr>
-          <p:cNvPr id="21" name="Footer Placeholder 20"/>
-          <p:cNvSpPr>
-            <a:spLocks noGrp="1"/>
-          </p:cNvSpPr>
-          <p:nvPr>
-            <p:ph type="ftr" sz="quarter" idx="11"/>
-          </p:nvPr>
-        </p:nvSpPr>
-        <p:spPr/>
-        <p:txBody>
-          <a:bodyPr/>
-          <a:lstStyle/>
-          <a:p>
-            <a:pPr>
-              <a:defRPr/>
-            </a:pPr>
-            <a:r>
-              <a:rPr lang="en-US" smtClean="0"/>
-              <a:t>@dahlbyk #ThatConference</a:t>
-            </a:r>
-            <a:endParaRPr lang="en-US" dirty="0"/>
-          </a:p>
-        </p:txBody>
-      </p:sp>
     </p:spTree>
     <p:extLst>
       <p:ext uri="{BB962C8B-B14F-4D97-AF65-F5344CB8AC3E}">
@@ -27789,7 +28119,19 @@
               <a:rPr lang="en-US" dirty="0" smtClean="0">
                 <a:latin typeface="Consolas" panose="020B0609020204030204" pitchFamily="49" charset="0"/>
               </a:rPr>
-              <a:t> pull origin bar</a:t>
+              <a:t> pull origin </a:t>
+            </a:r>
+            <a:r>
+              <a:rPr lang="en-US" dirty="0" err="1" smtClean="0">
+                <a:latin typeface="Consolas" panose="020B0609020204030204" pitchFamily="49" charset="0"/>
+              </a:rPr>
+              <a:t>dahlbyk</a:t>
+            </a:r>
+            <a:r>
+              <a:rPr lang="en-US" dirty="0" smtClean="0">
+                <a:latin typeface="Consolas" panose="020B0609020204030204" pitchFamily="49" charset="0"/>
+              </a:rPr>
+              <a:t>/bar</a:t>
             </a:r>
             <a:endParaRPr lang="en-US" dirty="0">
               <a:latin typeface="Consolas" panose="020B0609020204030204" pitchFamily="49" charset="0"/>
@@ -28254,6 +28596,32 @@
           <a:p>
             <a:pPr algn="ctr"/>
             <a:endParaRPr lang="en-US"/>
+          </a:p>
+        </p:txBody>
+      </p:sp>
+      <p:sp>
+        <p:nvSpPr>
+          <p:cNvPr id="2" name="Footer Placeholder 1"/>
+          <p:cNvSpPr>
+            <a:spLocks noGrp="1"/>
+          </p:cNvSpPr>
+          <p:nvPr>
+            <p:ph type="ftr" sz="quarter" idx="11"/>
+          </p:nvPr>
+        </p:nvSpPr>
+        <p:spPr/>
+        <p:txBody>
+          <a:bodyPr/>
+          <a:lstStyle/>
+          <a:p>
+            <a:pPr>
+              <a:defRPr/>
+            </a:pPr>
+            <a:r>
+              <a:rPr lang="en-US" smtClean="0"/>
+              <a:t>@dahlbyk #ThatConference</a:t>
+            </a:r>
+            <a:endParaRPr lang="en-US" dirty="0"/>
           </a:p>
         </p:txBody>
       </p:sp>
@@ -28327,7 +28695,19 @@
               <a:rPr lang="en-US" dirty="0" smtClean="0">
                 <a:latin typeface="Consolas" panose="020B0609020204030204" pitchFamily="49" charset="0"/>
               </a:rPr>
-              <a:t> push -u origin HEAD</a:t>
+              <a:t> push -u origin </a:t>
+            </a:r>
+            <a:r>
+              <a:rPr lang="en-US" dirty="0" err="1" smtClean="0">
+                <a:latin typeface="Consolas" panose="020B0609020204030204" pitchFamily="49" charset="0"/>
+              </a:rPr>
+              <a:t>HEAD:dahlbyk</a:t>
+            </a:r>
+            <a:r>
+              <a:rPr lang="en-US" dirty="0" smtClean="0">
+                <a:latin typeface="Consolas" panose="020B0609020204030204" pitchFamily="49" charset="0"/>
+              </a:rPr>
+              <a:t>/bar</a:t>
             </a:r>
             <a:endParaRPr lang="en-US" dirty="0">
               <a:latin typeface="Consolas" panose="020B0609020204030204" pitchFamily="49" charset="0"/>
@@ -28804,7 +29184,7 @@
         <p:spPr>
           <a:xfrm>
             <a:off x="510361" y="3222110"/>
-            <a:ext cx="6896987" cy="2031325"/>
+            <a:ext cx="6896987" cy="1754326"/>
           </a:xfrm>
           <a:prstGeom prst="rect">
             <a:avLst/>
@@ -28818,33 +29198,48 @@
           <a:lstStyle/>
           <a:p>
             <a:r>
-              <a:rPr lang="en-US" sz="1400" dirty="0" smtClean="0">
+              <a:rPr lang="en-US" sz="1200" dirty="0" smtClean="0">
                 <a:latin typeface="Consolas" panose="020B0609020204030204" pitchFamily="49" charset="0"/>
               </a:rPr>
               <a:t>PS </a:t>
             </a:r>
             <a:r>
-              <a:rPr lang="en-US" sz="1400" dirty="0">
+              <a:rPr lang="en-US" sz="1200" dirty="0">
                 <a:latin typeface="Consolas" panose="020B0609020204030204" pitchFamily="49" charset="0"/>
               </a:rPr>
               <a:t>[bar]&gt; </a:t>
             </a:r>
             <a:r>
-              <a:rPr lang="en-US" sz="1400" dirty="0" err="1">
+              <a:rPr lang="en-US" sz="1200" dirty="0" err="1">
                 <a:latin typeface="Consolas" panose="020B0609020204030204" pitchFamily="49" charset="0"/>
               </a:rPr>
               <a:t>git</a:t>
             </a:r>
             <a:r>
-              <a:rPr lang="en-US" sz="1400" dirty="0">
+              <a:rPr lang="en-US" sz="1200" dirty="0">
                 <a:latin typeface="Consolas" panose="020B0609020204030204" pitchFamily="49" charset="0"/>
               </a:rPr>
-              <a:t> push -u origin HEAD</a:t>
-            </a:r>
-          </a:p>
-          <a:p>
-            <a:r>
-              <a:rPr lang="en-US" sz="1400" dirty="0">
+              <a:t> push -u origin </a:t>
+            </a:r>
+            <a:r>
+              <a:rPr lang="en-US" sz="1200" dirty="0" err="1" smtClean="0">
+                <a:latin typeface="Consolas" panose="020B0609020204030204" pitchFamily="49" charset="0"/>
+              </a:rPr>
+              <a:t>HEAD:dahlbyk</a:t>
+            </a:r>
+            <a:r>
+              <a:rPr lang="en-US" sz="1200" dirty="0" smtClean="0">
+                <a:latin typeface="Consolas" panose="020B0609020204030204" pitchFamily="49" charset="0"/>
+              </a:rPr>
+              <a:t>/bar</a:t>
+            </a:r>
+            <a:endParaRPr lang="en-US" sz="1200" dirty="0">
+              <a:latin typeface="Consolas" panose="020B0609020204030204" pitchFamily="49" charset="0"/>
+            </a:endParaRPr>
+          </a:p>
+          <a:p>
+            <a:r>
+              <a:rPr lang="en-US" sz="1200" dirty="0">
                 <a:latin typeface="Consolas" panose="020B0609020204030204" pitchFamily="49" charset="0"/>
               </a:rPr>
               <a:t>Total 0 (delta 0), reused 0 (delta 0)</a:t>
@@ -28852,58 +29247,91 @@
           </a:p>
           <a:p>
             <a:r>
-              <a:rPr lang="en-US" sz="1400" dirty="0">
+              <a:rPr lang="en-US" sz="1200" dirty="0">
                 <a:latin typeface="Consolas" panose="020B0609020204030204" pitchFamily="49" charset="0"/>
               </a:rPr>
               <a:t>To https</a:t>
             </a:r>
             <a:r>
-              <a:rPr lang="en-US" sz="1400" dirty="0" smtClean="0">
+              <a:rPr lang="en-US" sz="1200" dirty="0" smtClean="0">
                 <a:latin typeface="Consolas" panose="020B0609020204030204" pitchFamily="49" charset="0"/>
               </a:rPr>
               <a:t>://example.com/org/repo.git</a:t>
             </a:r>
-            <a:endParaRPr lang="en-US" sz="1400" dirty="0">
+            <a:endParaRPr lang="en-US" sz="1200" dirty="0">
               <a:latin typeface="Consolas" panose="020B0609020204030204" pitchFamily="49" charset="0"/>
             </a:endParaRPr>
           </a:p>
           <a:p>
             <a:r>
-              <a:rPr lang="en-US" sz="1400" dirty="0">
+              <a:rPr lang="en-US" sz="1200" dirty="0">
                 <a:latin typeface="Consolas" panose="020B0609020204030204" pitchFamily="49" charset="0"/>
               </a:rPr>
-              <a:t> * [new branch]      HEAD -&gt; bar</a:t>
-            </a:r>
-          </a:p>
-          <a:p>
-            <a:r>
-              <a:rPr lang="en-US" sz="1400" dirty="0">
+              <a:t> * [new branch]      HEAD -&gt; </a:t>
+            </a:r>
+            <a:r>
+              <a:rPr lang="en-US" sz="1200" dirty="0" err="1" smtClean="0">
                 <a:latin typeface="Consolas" panose="020B0609020204030204" pitchFamily="49" charset="0"/>
               </a:rPr>
-              <a:t>Branch bar set up to track remote branch bar from origin.</a:t>
-            </a:r>
-          </a:p>
-          <a:p>
-            <a:r>
-              <a:rPr lang="en-US" sz="1400" dirty="0" smtClean="0">
+              <a:t>dahlbyk</a:t>
+            </a:r>
+            <a:r>
+              <a:rPr lang="en-US" sz="1200" dirty="0" smtClean="0">
+                <a:latin typeface="Consolas" panose="020B0609020204030204" pitchFamily="49" charset="0"/>
+              </a:rPr>
+              <a:t>/bar</a:t>
+            </a:r>
+            <a:endParaRPr lang="en-US" sz="1200" dirty="0">
+              <a:latin typeface="Consolas" panose="020B0609020204030204" pitchFamily="49" charset="0"/>
+            </a:endParaRPr>
+          </a:p>
+          <a:p>
+            <a:r>
+              <a:rPr lang="en-US" sz="1200" dirty="0">
+                <a:latin typeface="Consolas" panose="020B0609020204030204" pitchFamily="49" charset="0"/>
+              </a:rPr>
+              <a:t>Branch bar set up to track remote branch </a:t>
+            </a:r>
+            <a:r>
+              <a:rPr lang="en-US" sz="1200" dirty="0" err="1" smtClean="0">
+                <a:latin typeface="Consolas" panose="020B0609020204030204" pitchFamily="49" charset="0"/>
+              </a:rPr>
+              <a:t>dahlbyk</a:t>
+            </a:r>
+            <a:r>
+              <a:rPr lang="en-US" sz="1200" dirty="0" smtClean="0">
+                <a:latin typeface="Consolas" panose="020B0609020204030204" pitchFamily="49" charset="0"/>
+              </a:rPr>
+              <a:t>/bar </a:t>
+            </a:r>
+            <a:r>
+              <a:rPr lang="en-US" sz="1200" dirty="0">
+                <a:latin typeface="Consolas" panose="020B0609020204030204" pitchFamily="49" charset="0"/>
+              </a:rPr>
+              <a:t>from origin.</a:t>
+            </a:r>
+          </a:p>
+          <a:p>
+            <a:r>
+              <a:rPr lang="en-US" sz="1200" dirty="0" smtClean="0">
                 <a:latin typeface="Consolas" panose="020B0609020204030204" pitchFamily="49" charset="0"/>
               </a:rPr>
               <a:t>PS </a:t>
             </a:r>
             <a:r>
-              <a:rPr lang="en-US" sz="1400" dirty="0">
+              <a:rPr lang="en-US" sz="1200" dirty="0">
                 <a:latin typeface="Consolas" panose="020B0609020204030204" pitchFamily="49" charset="0"/>
               </a:rPr>
               <a:t>[bar ≡]&gt; </a:t>
             </a:r>
             <a:r>
-              <a:rPr lang="en-US" sz="1400" dirty="0" err="1">
+              <a:rPr lang="en-US" sz="1200" dirty="0" err="1">
                 <a:latin typeface="Consolas" panose="020B0609020204030204" pitchFamily="49" charset="0"/>
               </a:rPr>
               <a:t>git</a:t>
             </a:r>
             <a:r>
-              <a:rPr lang="en-US" sz="1400" dirty="0">
+              <a:rPr lang="en-US" sz="1200" dirty="0">
                 <a:latin typeface="Consolas" panose="020B0609020204030204" pitchFamily="49" charset="0"/>
               </a:rPr>
               <a:t> status</a:t>
@@ -28911,7 +29339,7 @@
           </a:p>
           <a:p>
             <a:r>
-              <a:rPr lang="en-US" sz="1400" dirty="0">
+              <a:rPr lang="en-US" sz="1200" dirty="0">
                 <a:latin typeface="Consolas" panose="020B0609020204030204" pitchFamily="49" charset="0"/>
               </a:rPr>
               <a:t>On branch bar</a:t>
@@ -28919,19 +29347,69 @@
           </a:p>
           <a:p>
             <a:r>
-              <a:rPr lang="en-US" sz="1400" dirty="0">
+              <a:rPr lang="en-US" sz="1200" dirty="0">
                 <a:latin typeface="Consolas" panose="020B0609020204030204" pitchFamily="49" charset="0"/>
               </a:rPr>
-              <a:t>Your branch is up-to-date with 'origin/bar'.</a:t>
-            </a:r>
-          </a:p>
-          <a:p>
-            <a:r>
-              <a:rPr lang="en-US" sz="1400" dirty="0">
+              <a:t>Your branch is up-to-date with </a:t>
+            </a:r>
+            <a:r>
+              <a:rPr lang="en-US" sz="1200" dirty="0" smtClean="0">
+                <a:latin typeface="Consolas" panose="020B0609020204030204" pitchFamily="49" charset="0"/>
+              </a:rPr>
+              <a:t>'origin/</a:t>
+            </a:r>
+            <a:r>
+              <a:rPr lang="en-US" sz="1200" dirty="0" err="1" smtClean="0">
+                <a:latin typeface="Consolas" panose="020B0609020204030204" pitchFamily="49" charset="0"/>
+              </a:rPr>
+              <a:t>dahlbyk</a:t>
+            </a:r>
+            <a:r>
+              <a:rPr lang="en-US" sz="1200" dirty="0" smtClean="0">
+                <a:latin typeface="Consolas" panose="020B0609020204030204" pitchFamily="49" charset="0"/>
+              </a:rPr>
+              <a:t>/bar</a:t>
+            </a:r>
+            <a:r>
+              <a:rPr lang="en-US" sz="1200" dirty="0">
+                <a:latin typeface="Consolas" panose="020B0609020204030204" pitchFamily="49" charset="0"/>
+              </a:rPr>
+              <a:t>'.</a:t>
+            </a:r>
+          </a:p>
+          <a:p>
+            <a:r>
+              <a:rPr lang="en-US" sz="1200" dirty="0">
                 <a:latin typeface="Consolas" panose="020B0609020204030204" pitchFamily="49" charset="0"/>
               </a:rPr>
               <a:t>nothing to commit, working directory clean</a:t>
             </a:r>
+          </a:p>
+        </p:txBody>
+      </p:sp>
+      <p:sp>
+        <p:nvSpPr>
+          <p:cNvPr id="2" name="Footer Placeholder 1"/>
+          <p:cNvSpPr>
+            <a:spLocks noGrp="1"/>
+          </p:cNvSpPr>
+          <p:nvPr>
+            <p:ph type="ftr" sz="quarter" idx="11"/>
+          </p:nvPr>
+        </p:nvSpPr>
+        <p:spPr/>
+        <p:txBody>
+          <a:bodyPr/>
+          <a:lstStyle/>
+          <a:p>
+            <a:pPr>
+              <a:defRPr/>
+            </a:pPr>
+            <a:r>
+              <a:rPr lang="en-US" smtClean="0"/>
+              <a:t>@dahlbyk #ThatConference</a:t>
+            </a:r>
+            <a:endParaRPr lang="en-US" dirty="0"/>
           </a:p>
         </p:txBody>
       </p:sp>
@@ -29937,6 +30415,32 @@
           </a:p>
         </p:txBody>
       </p:sp>
+      <p:sp>
+        <p:nvSpPr>
+          <p:cNvPr id="2" name="Footer Placeholder 1"/>
+          <p:cNvSpPr>
+            <a:spLocks noGrp="1"/>
+          </p:cNvSpPr>
+          <p:nvPr>
+            <p:ph type="ftr" sz="quarter" idx="11"/>
+          </p:nvPr>
+        </p:nvSpPr>
+        <p:spPr/>
+        <p:txBody>
+          <a:bodyPr/>
+          <a:lstStyle/>
+          <a:p>
+            <a:pPr>
+              <a:defRPr/>
+            </a:pPr>
+            <a:r>
+              <a:rPr lang="en-US" smtClean="0"/>
+              <a:t>@dahlbyk #ThatConference</a:t>
+            </a:r>
+            <a:endParaRPr lang="en-US" dirty="0"/>
+          </a:p>
+        </p:txBody>
+      </p:sp>
     </p:spTree>
     <p:extLst>
       <p:ext uri="{BB962C8B-B14F-4D97-AF65-F5344CB8AC3E}">
@@ -30756,6 +31260,285 @@
           </a:fontRef>
         </p:style>
       </p:cxnSp>
+      <p:sp>
+        <p:nvSpPr>
+          <p:cNvPr id="2" name="Footer Placeholder 1"/>
+          <p:cNvSpPr>
+            <a:spLocks noGrp="1"/>
+          </p:cNvSpPr>
+          <p:nvPr>
+            <p:ph type="ftr" sz="quarter" idx="11"/>
+          </p:nvPr>
+        </p:nvSpPr>
+        <p:spPr/>
+        <p:txBody>
+          <a:bodyPr/>
+          <a:lstStyle/>
+          <a:p>
+            <a:pPr>
+              <a:defRPr/>
+            </a:pPr>
+            <a:r>
+              <a:rPr lang="en-US" smtClean="0"/>
+              <a:t>@dahlbyk #ThatConference</a:t>
+            </a:r>
+            <a:endParaRPr lang="en-US" dirty="0"/>
+          </a:p>
+        </p:txBody>
+      </p:sp>
+      <p:sp>
+        <p:nvSpPr>
+          <p:cNvPr id="16" name="Oval 15"/>
+          <p:cNvSpPr/>
+          <p:nvPr/>
+        </p:nvSpPr>
+        <p:spPr>
+          <a:xfrm>
+            <a:off x="5181600" y="2286000"/>
+            <a:ext cx="228600" cy="228600"/>
+          </a:xfrm>
+          <a:prstGeom prst="ellipse">
+            <a:avLst/>
+          </a:prstGeom>
+          <a:solidFill>
+            <a:schemeClr val="accent2"/>
+          </a:solidFill>
+          <a:ln>
+            <a:solidFill>
+              <a:schemeClr val="accent2">
+                <a:lumMod val="75000"/>
+              </a:schemeClr>
+            </a:solidFill>
+          </a:ln>
+        </p:spPr>
+        <p:style>
+          <a:lnRef idx="2">
+            <a:schemeClr val="accent1">
+              <a:shade val="50000"/>
+            </a:schemeClr>
+          </a:lnRef>
+          <a:fillRef idx="1">
+            <a:schemeClr val="accent1"/>
+          </a:fillRef>
+          <a:effectRef idx="0">
+            <a:schemeClr val="accent1"/>
+          </a:effectRef>
+          <a:fontRef idx="minor">
+            <a:schemeClr val="lt1"/>
+          </a:fontRef>
+        </p:style>
+        <p:txBody>
+          <a:bodyPr rtlCol="0" anchor="ctr"/>
+          <a:lstStyle/>
+          <a:p>
+            <a:pPr algn="ctr"/>
+            <a:endParaRPr lang="en-US"/>
+          </a:p>
+        </p:txBody>
+      </p:sp>
+      <p:sp>
+        <p:nvSpPr>
+          <p:cNvPr id="17" name="Oval 16"/>
+          <p:cNvSpPr/>
+          <p:nvPr/>
+        </p:nvSpPr>
+        <p:spPr>
+          <a:xfrm>
+            <a:off x="6709568" y="2154238"/>
+            <a:ext cx="228600" cy="228600"/>
+          </a:xfrm>
+          <a:prstGeom prst="ellipse">
+            <a:avLst/>
+          </a:prstGeom>
+          <a:solidFill>
+            <a:schemeClr val="accent2"/>
+          </a:solidFill>
+          <a:ln>
+            <a:solidFill>
+              <a:schemeClr val="accent2">
+                <a:lumMod val="75000"/>
+              </a:schemeClr>
+            </a:solidFill>
+          </a:ln>
+        </p:spPr>
+        <p:style>
+          <a:lnRef idx="2">
+            <a:schemeClr val="accent1">
+              <a:shade val="50000"/>
+            </a:schemeClr>
+          </a:lnRef>
+          <a:fillRef idx="1">
+            <a:schemeClr val="accent1"/>
+          </a:fillRef>
+          <a:effectRef idx="0">
+            <a:schemeClr val="accent1"/>
+          </a:effectRef>
+          <a:fontRef idx="minor">
+            <a:schemeClr val="lt1"/>
+          </a:fontRef>
+        </p:style>
+        <p:txBody>
+          <a:bodyPr rtlCol="0" anchor="ctr"/>
+          <a:lstStyle/>
+          <a:p>
+            <a:pPr algn="ctr"/>
+            <a:endParaRPr lang="en-US"/>
+          </a:p>
+        </p:txBody>
+      </p:sp>
+      <p:sp>
+        <p:nvSpPr>
+          <p:cNvPr id="18" name="Oval 17"/>
+          <p:cNvSpPr/>
+          <p:nvPr/>
+        </p:nvSpPr>
+        <p:spPr>
+          <a:xfrm>
+            <a:off x="5980112" y="2217739"/>
+            <a:ext cx="228600" cy="228600"/>
+          </a:xfrm>
+          <a:prstGeom prst="ellipse">
+            <a:avLst/>
+          </a:prstGeom>
+          <a:solidFill>
+            <a:schemeClr val="accent2"/>
+          </a:solidFill>
+          <a:ln>
+            <a:solidFill>
+              <a:schemeClr val="accent2">
+                <a:lumMod val="75000"/>
+              </a:schemeClr>
+            </a:solidFill>
+          </a:ln>
+        </p:spPr>
+        <p:style>
+          <a:lnRef idx="2">
+            <a:schemeClr val="accent1">
+              <a:shade val="50000"/>
+            </a:schemeClr>
+          </a:lnRef>
+          <a:fillRef idx="1">
+            <a:schemeClr val="accent1"/>
+          </a:fillRef>
+          <a:effectRef idx="0">
+            <a:schemeClr val="accent1"/>
+          </a:effectRef>
+          <a:fontRef idx="minor">
+            <a:schemeClr val="lt1"/>
+          </a:fontRef>
+        </p:style>
+        <p:txBody>
+          <a:bodyPr rtlCol="0" anchor="ctr"/>
+          <a:lstStyle/>
+          <a:p>
+            <a:pPr algn="ctr"/>
+            <a:endParaRPr lang="en-US"/>
+          </a:p>
+        </p:txBody>
+      </p:sp>
+      <p:sp>
+        <p:nvSpPr>
+          <p:cNvPr id="19" name="Oval 18"/>
+          <p:cNvSpPr/>
+          <p:nvPr/>
+        </p:nvSpPr>
+        <p:spPr>
+          <a:xfrm>
+            <a:off x="6553200" y="5715000"/>
+            <a:ext cx="228600" cy="228600"/>
+          </a:xfrm>
+          <a:prstGeom prst="ellipse">
+            <a:avLst/>
+          </a:prstGeom>
+          <a:solidFill>
+            <a:schemeClr val="accent4">
+              <a:alpha val="25000"/>
+            </a:schemeClr>
+          </a:solidFill>
+          <a:ln>
+            <a:solidFill>
+              <a:schemeClr val="accent4">
+                <a:lumMod val="75000"/>
+                <a:alpha val="25000"/>
+              </a:schemeClr>
+            </a:solidFill>
+          </a:ln>
+        </p:spPr>
+        <p:style>
+          <a:lnRef idx="2">
+            <a:schemeClr val="accent1">
+              <a:shade val="50000"/>
+            </a:schemeClr>
+          </a:lnRef>
+          <a:fillRef idx="1">
+            <a:schemeClr val="accent1"/>
+          </a:fillRef>
+          <a:effectRef idx="0">
+            <a:schemeClr val="accent1"/>
+          </a:effectRef>
+          <a:fontRef idx="minor">
+            <a:schemeClr val="lt1"/>
+          </a:fontRef>
+        </p:style>
+        <p:txBody>
+          <a:bodyPr rtlCol="0" anchor="ctr"/>
+          <a:lstStyle/>
+          <a:p>
+            <a:pPr algn="ctr"/>
+            <a:endParaRPr lang="en-US"/>
+          </a:p>
+        </p:txBody>
+      </p:sp>
+      <p:sp>
+        <p:nvSpPr>
+          <p:cNvPr id="20" name="Oval 19"/>
+          <p:cNvSpPr/>
+          <p:nvPr/>
+        </p:nvSpPr>
+        <p:spPr>
+          <a:xfrm>
+            <a:off x="6324600" y="2540795"/>
+            <a:ext cx="228600" cy="228600"/>
+          </a:xfrm>
+          <a:prstGeom prst="ellipse">
+            <a:avLst/>
+          </a:prstGeom>
+          <a:solidFill>
+            <a:schemeClr val="accent2"/>
+          </a:solidFill>
+          <a:ln>
+            <a:solidFill>
+              <a:schemeClr val="accent2">
+                <a:lumMod val="75000"/>
+              </a:schemeClr>
+            </a:solidFill>
+          </a:ln>
+        </p:spPr>
+        <p:style>
+          <a:lnRef idx="2">
+            <a:schemeClr val="accent1">
+              <a:shade val="50000"/>
+            </a:schemeClr>
+          </a:lnRef>
+          <a:fillRef idx="1">
+            <a:schemeClr val="accent1"/>
+          </a:fillRef>
+          <a:effectRef idx="0">
+            <a:schemeClr val="accent1"/>
+          </a:effectRef>
+          <a:fontRef idx="minor">
+            <a:schemeClr val="lt1"/>
+          </a:fontRef>
+        </p:style>
+        <p:txBody>
+          <a:bodyPr rtlCol="0" anchor="ctr"/>
+          <a:lstStyle/>
+          <a:p>
+            <a:pPr algn="ctr"/>
+            <a:endParaRPr lang="en-US"/>
+          </a:p>
+        </p:txBody>
+      </p:sp>
     </p:spTree>
     <p:extLst>
       <p:ext uri="{BB962C8B-B14F-4D97-AF65-F5344CB8AC3E}">
@@ -30777,9 +31560,232 @@
   <p:timing>
     <p:tnLst>
       <p:par>
-        <p:cTn id="1" dur="indefinite" restart="never" nodeType="tmRoot"/>
+        <p:cTn id="1" dur="indefinite" restart="never" nodeType="tmRoot">
+          <p:childTnLst>
+            <p:seq concurrent="1" nextAc="seek">
+              <p:cTn id="2" dur="indefinite" nodeType="mainSeq">
+                <p:childTnLst>
+                  <p:par>
+                    <p:cTn id="3" fill="hold">
+                      <p:stCondLst>
+                        <p:cond delay="indefinite"/>
+                      </p:stCondLst>
+                      <p:childTnLst>
+                        <p:par>
+                          <p:cTn id="4" fill="hold">
+                            <p:stCondLst>
+                              <p:cond delay="0"/>
+                            </p:stCondLst>
+                            <p:childTnLst>
+                              <p:par>
+                                <p:cTn id="5" presetID="10" presetClass="exit" presetSubtype="0" fill="hold" grpId="0" nodeType="clickEffect">
+                                  <p:stCondLst>
+                                    <p:cond delay="0"/>
+                                  </p:stCondLst>
+                                  <p:childTnLst>
+                                    <p:animEffect transition="out" filter="fade">
+                                      <p:cBhvr>
+                                        <p:cTn id="6" dur="1000"/>
+                                        <p:tgtEl>
+                                          <p:spTgt spid="16"/>
+                                        </p:tgtEl>
+                                      </p:cBhvr>
+                                    </p:animEffect>
+                                    <p:set>
+                                      <p:cBhvr>
+                                        <p:cTn id="7" dur="1" fill="hold">
+                                          <p:stCondLst>
+                                            <p:cond delay="999"/>
+                                          </p:stCondLst>
+                                        </p:cTn>
+                                        <p:tgtEl>
+                                          <p:spTgt spid="16"/>
+                                        </p:tgtEl>
+                                        <p:attrNameLst>
+                                          <p:attrName>style.visibility</p:attrName>
+                                        </p:attrNameLst>
+                                      </p:cBhvr>
+                                      <p:to>
+                                        <p:strVal val="hidden"/>
+                                      </p:to>
+                                    </p:set>
+                                  </p:childTnLst>
+                                </p:cTn>
+                              </p:par>
+                              <p:par>
+                                <p:cTn id="8" presetID="10" presetClass="exit" presetSubtype="0" fill="hold" grpId="0" nodeType="withEffect">
+                                  <p:stCondLst>
+                                    <p:cond delay="0"/>
+                                  </p:stCondLst>
+                                  <p:childTnLst>
+                                    <p:animEffect transition="out" filter="fade">
+                                      <p:cBhvr>
+                                        <p:cTn id="9" dur="1000"/>
+                                        <p:tgtEl>
+                                          <p:spTgt spid="17"/>
+                                        </p:tgtEl>
+                                      </p:cBhvr>
+                                    </p:animEffect>
+                                    <p:set>
+                                      <p:cBhvr>
+                                        <p:cTn id="10" dur="1" fill="hold">
+                                          <p:stCondLst>
+                                            <p:cond delay="999"/>
+                                          </p:stCondLst>
+                                        </p:cTn>
+                                        <p:tgtEl>
+                                          <p:spTgt spid="17"/>
+                                        </p:tgtEl>
+                                        <p:attrNameLst>
+                                          <p:attrName>style.visibility</p:attrName>
+                                        </p:attrNameLst>
+                                      </p:cBhvr>
+                                      <p:to>
+                                        <p:strVal val="hidden"/>
+                                      </p:to>
+                                    </p:set>
+                                  </p:childTnLst>
+                                </p:cTn>
+                              </p:par>
+                              <p:par>
+                                <p:cTn id="11" presetID="10" presetClass="exit" presetSubtype="0" fill="hold" grpId="0" nodeType="withEffect">
+                                  <p:stCondLst>
+                                    <p:cond delay="0"/>
+                                  </p:stCondLst>
+                                  <p:childTnLst>
+                                    <p:animEffect transition="out" filter="fade">
+                                      <p:cBhvr>
+                                        <p:cTn id="12" dur="1000"/>
+                                        <p:tgtEl>
+                                          <p:spTgt spid="18"/>
+                                        </p:tgtEl>
+                                      </p:cBhvr>
+                                    </p:animEffect>
+                                    <p:set>
+                                      <p:cBhvr>
+                                        <p:cTn id="13" dur="1" fill="hold">
+                                          <p:stCondLst>
+                                            <p:cond delay="999"/>
+                                          </p:stCondLst>
+                                        </p:cTn>
+                                        <p:tgtEl>
+                                          <p:spTgt spid="18"/>
+                                        </p:tgtEl>
+                                        <p:attrNameLst>
+                                          <p:attrName>style.visibility</p:attrName>
+                                        </p:attrNameLst>
+                                      </p:cBhvr>
+                                      <p:to>
+                                        <p:strVal val="hidden"/>
+                                      </p:to>
+                                    </p:set>
+                                  </p:childTnLst>
+                                </p:cTn>
+                              </p:par>
+                              <p:par>
+                                <p:cTn id="14" presetID="10" presetClass="entr" presetSubtype="0" fill="hold" grpId="0" nodeType="withEffect">
+                                  <p:stCondLst>
+                                    <p:cond delay="0"/>
+                                  </p:stCondLst>
+                                  <p:childTnLst>
+                                    <p:set>
+                                      <p:cBhvr>
+                                        <p:cTn id="15" dur="1" fill="hold">
+                                          <p:stCondLst>
+                                            <p:cond delay="0"/>
+                                          </p:stCondLst>
+                                        </p:cTn>
+                                        <p:tgtEl>
+                                          <p:spTgt spid="20"/>
+                                        </p:tgtEl>
+                                        <p:attrNameLst>
+                                          <p:attrName>style.visibility</p:attrName>
+                                        </p:attrNameLst>
+                                      </p:cBhvr>
+                                      <p:to>
+                                        <p:strVal val="visible"/>
+                                      </p:to>
+                                    </p:set>
+                                    <p:animEffect transition="in" filter="fade">
+                                      <p:cBhvr>
+                                        <p:cTn id="16" dur="1000"/>
+                                        <p:tgtEl>
+                                          <p:spTgt spid="20"/>
+                                        </p:tgtEl>
+                                      </p:cBhvr>
+                                    </p:animEffect>
+                                  </p:childTnLst>
+                                </p:cTn>
+                              </p:par>
+                              <p:par>
+                                <p:cTn id="17" presetID="10" presetClass="entr" presetSubtype="0" fill="hold" grpId="0" nodeType="withEffect">
+                                  <p:stCondLst>
+                                    <p:cond delay="0"/>
+                                  </p:stCondLst>
+                                  <p:childTnLst>
+                                    <p:set>
+                                      <p:cBhvr>
+                                        <p:cTn id="18" dur="1" fill="hold">
+                                          <p:stCondLst>
+                                            <p:cond delay="0"/>
+                                          </p:stCondLst>
+                                        </p:cTn>
+                                        <p:tgtEl>
+                                          <p:spTgt spid="19"/>
+                                        </p:tgtEl>
+                                        <p:attrNameLst>
+                                          <p:attrName>style.visibility</p:attrName>
+                                        </p:attrNameLst>
+                                      </p:cBhvr>
+                                      <p:to>
+                                        <p:strVal val="visible"/>
+                                      </p:to>
+                                    </p:set>
+                                    <p:animEffect transition="in" filter="fade">
+                                      <p:cBhvr>
+                                        <p:cTn id="19" dur="1000"/>
+                                        <p:tgtEl>
+                                          <p:spTgt spid="19"/>
+                                        </p:tgtEl>
+                                      </p:cBhvr>
+                                    </p:animEffect>
+                                  </p:childTnLst>
+                                </p:cTn>
+                              </p:par>
+                            </p:childTnLst>
+                          </p:cTn>
+                        </p:par>
+                      </p:childTnLst>
+                    </p:cTn>
+                  </p:par>
+                </p:childTnLst>
+              </p:cTn>
+              <p:prevCondLst>
+                <p:cond evt="onPrev" delay="0">
+                  <p:tgtEl>
+                    <p:sldTgt/>
+                  </p:tgtEl>
+                </p:cond>
+              </p:prevCondLst>
+              <p:nextCondLst>
+                <p:cond evt="onNext" delay="0">
+                  <p:tgtEl>
+                    <p:sldTgt/>
+                  </p:tgtEl>
+                </p:cond>
+              </p:nextCondLst>
+            </p:seq>
+          </p:childTnLst>
+        </p:cTn>
       </p:par>
     </p:tnLst>
+    <p:bldLst>
+      <p:bldP spid="16" grpId="0" animBg="1"/>
+      <p:bldP spid="17" grpId="0" animBg="1"/>
+      <p:bldP spid="18" grpId="0" animBg="1"/>
+      <p:bldP spid="19" grpId="0" animBg="1"/>
+      <p:bldP spid="20" grpId="0" animBg="1"/>
+    </p:bldLst>
   </p:timing>
 </p:sld>
 </file>
@@ -31144,6 +32150,135 @@
           </a:fontRef>
         </p:style>
       </p:cxnSp>
+      <p:sp>
+        <p:nvSpPr>
+          <p:cNvPr id="2" name="Footer Placeholder 1"/>
+          <p:cNvSpPr>
+            <a:spLocks noGrp="1"/>
+          </p:cNvSpPr>
+          <p:nvPr>
+            <p:ph type="ftr" sz="quarter" idx="11"/>
+          </p:nvPr>
+        </p:nvSpPr>
+        <p:spPr/>
+        <p:txBody>
+          <a:bodyPr/>
+          <a:lstStyle/>
+          <a:p>
+            <a:pPr>
+              <a:defRPr/>
+            </a:pPr>
+            <a:r>
+              <a:rPr lang="en-US" smtClean="0"/>
+              <a:t>@dahlbyk #ThatConference</a:t>
+            </a:r>
+            <a:endParaRPr lang="en-US" dirty="0"/>
+          </a:p>
+        </p:txBody>
+      </p:sp>
+      <p:sp>
+        <p:nvSpPr>
+          <p:cNvPr id="12" name="Oval 11"/>
+          <p:cNvSpPr/>
+          <p:nvPr/>
+        </p:nvSpPr>
+        <p:spPr>
+          <a:xfrm>
+            <a:off x="6553200" y="5715000"/>
+            <a:ext cx="228600" cy="228600"/>
+          </a:xfrm>
+          <a:prstGeom prst="ellipse">
+            <a:avLst/>
+          </a:prstGeom>
+          <a:solidFill>
+            <a:schemeClr val="accent4">
+              <a:alpha val="25000"/>
+            </a:schemeClr>
+          </a:solidFill>
+          <a:ln>
+            <a:solidFill>
+              <a:schemeClr val="accent4">
+                <a:lumMod val="75000"/>
+                <a:alpha val="25000"/>
+              </a:schemeClr>
+            </a:solidFill>
+          </a:ln>
+        </p:spPr>
+        <p:style>
+          <a:lnRef idx="2">
+            <a:schemeClr val="accent1">
+              <a:shade val="50000"/>
+            </a:schemeClr>
+          </a:lnRef>
+          <a:fillRef idx="1">
+            <a:schemeClr val="accent1"/>
+          </a:fillRef>
+          <a:effectRef idx="0">
+            <a:schemeClr val="accent1"/>
+          </a:effectRef>
+          <a:fontRef idx="minor">
+            <a:schemeClr val="lt1"/>
+          </a:fontRef>
+        </p:style>
+        <p:txBody>
+          <a:bodyPr rtlCol="0" anchor="ctr"/>
+          <a:lstStyle/>
+          <a:p>
+            <a:pPr algn="ctr"/>
+            <a:endParaRPr lang="en-US"/>
+          </a:p>
+        </p:txBody>
+      </p:sp>
+      <p:sp>
+        <p:nvSpPr>
+          <p:cNvPr id="13" name="Oval 12"/>
+          <p:cNvSpPr/>
+          <p:nvPr/>
+        </p:nvSpPr>
+        <p:spPr>
+          <a:xfrm>
+            <a:off x="6324600" y="2540795"/>
+            <a:ext cx="228600" cy="228600"/>
+          </a:xfrm>
+          <a:prstGeom prst="ellipse">
+            <a:avLst/>
+          </a:prstGeom>
+          <a:solidFill>
+            <a:schemeClr val="accent2"/>
+          </a:solidFill>
+          <a:ln>
+            <a:solidFill>
+              <a:schemeClr val="accent2">
+                <a:lumMod val="75000"/>
+              </a:schemeClr>
+            </a:solidFill>
+          </a:ln>
+        </p:spPr>
+        <p:style>
+          <a:lnRef idx="2">
+            <a:schemeClr val="accent1">
+              <a:shade val="50000"/>
+            </a:schemeClr>
+          </a:lnRef>
+          <a:fillRef idx="1">
+            <a:schemeClr val="accent1"/>
+          </a:fillRef>
+          <a:effectRef idx="0">
+            <a:schemeClr val="accent1"/>
+          </a:effectRef>
+          <a:fontRef idx="minor">
+            <a:schemeClr val="lt1"/>
+          </a:fontRef>
+        </p:style>
+        <p:txBody>
+          <a:bodyPr rtlCol="0" anchor="ctr"/>
+          <a:lstStyle/>
+          <a:p>
+            <a:pPr algn="ctr"/>
+            <a:endParaRPr lang="en-US"/>
+          </a:p>
+        </p:txBody>
+      </p:sp>
     </p:spTree>
     <p:extLst>
       <p:ext uri="{BB962C8B-B14F-4D97-AF65-F5344CB8AC3E}">
@@ -31190,7 +32325,7 @@
                                   <p:childTnLst>
                                     <p:animEffect transition="out" filter="fade">
                                       <p:cBhvr>
-                                        <p:cTn id="6" dur="500"/>
+                                        <p:cTn id="6" dur="1000"/>
                                         <p:tgtEl>
                                           <p:spTgt spid="22"/>
                                         </p:tgtEl>
@@ -31200,7 +32335,7 @@
                                       <p:cBhvr>
                                         <p:cTn id="7" dur="1" fill="hold">
                                           <p:stCondLst>
-                                            <p:cond delay="499"/>
+                                            <p:cond delay="999"/>
                                           </p:stCondLst>
                                         </p:cTn>
                                         <p:tgtEl>
@@ -31225,7 +32360,7 @@
                                   <p:childTnLst>
                                     <p:animClr clrSpc="rgb" dir="cw">
                                       <p:cBhvr>
-                                        <p:cTn id="9" dur="500" fill="hold"/>
+                                        <p:cTn id="9" dur="1000" fill="hold"/>
                                         <p:tgtEl>
                                           <p:spTgt spid="23"/>
                                         </p:tgtEl>
@@ -31239,7 +32374,7 @@
                                     </p:animClr>
                                     <p:set>
                                       <p:cBhvr>
-                                        <p:cTn id="10" dur="500" fill="hold"/>
+                                        <p:cTn id="10" dur="1000" fill="hold"/>
                                         <p:tgtEl>
                                           <p:spTgt spid="23"/>
                                         </p:tgtEl>
@@ -31262,7 +32397,7 @@
                                   <p:childTnLst>
                                     <p:animClr clrSpc="rgb" dir="cw">
                                       <p:cBhvr>
-                                        <p:cTn id="12" dur="500" fill="hold"/>
+                                        <p:cTn id="12" dur="1000" fill="hold"/>
                                         <p:tgtEl>
                                           <p:spTgt spid="14"/>
                                         </p:tgtEl>
@@ -31276,7 +32411,7 @@
                                     </p:animClr>
                                     <p:set>
                                       <p:cBhvr>
-                                        <p:cTn id="13" dur="500" fill="hold"/>
+                                        <p:cTn id="13" dur="1000" fill="hold"/>
                                         <p:tgtEl>
                                           <p:spTgt spid="14"/>
                                         </p:tgtEl>
@@ -31299,7 +32434,7 @@
                                   <p:childTnLst>
                                     <p:animClr clrSpc="rgb" dir="cw">
                                       <p:cBhvr>
-                                        <p:cTn id="15" dur="500" fill="hold"/>
+                                        <p:cTn id="15" dur="1000" fill="hold"/>
                                         <p:tgtEl>
                                           <p:spTgt spid="23"/>
                                         </p:tgtEl>
@@ -31313,7 +32448,7 @@
                                     </p:animClr>
                                     <p:set>
                                       <p:cBhvr>
-                                        <p:cTn id="16" dur="500" fill="hold"/>
+                                        <p:cTn id="16" dur="1000" fill="hold"/>
                                         <p:tgtEl>
                                           <p:spTgt spid="23"/>
                                         </p:tgtEl>
@@ -31327,7 +32462,7 @@
                                     </p:set>
                                     <p:set>
                                       <p:cBhvr>
-                                        <p:cTn id="17" dur="500" fill="hold"/>
+                                        <p:cTn id="17" dur="1000" fill="hold"/>
                                         <p:tgtEl>
                                           <p:spTgt spid="23"/>
                                         </p:tgtEl>
@@ -31350,7 +32485,7 @@
                                   <p:childTnLst>
                                     <p:animClr clrSpc="rgb" dir="cw">
                                       <p:cBhvr>
-                                        <p:cTn id="19" dur="500" fill="hold"/>
+                                        <p:cTn id="19" dur="1000" fill="hold"/>
                                         <p:tgtEl>
                                           <p:spTgt spid="14"/>
                                         </p:tgtEl>
@@ -31364,7 +32499,7 @@
                                     </p:animClr>
                                     <p:set>
                                       <p:cBhvr>
-                                        <p:cTn id="20" dur="500" fill="hold"/>
+                                        <p:cTn id="20" dur="1000" fill="hold"/>
                                         <p:tgtEl>
                                           <p:spTgt spid="14"/>
                                         </p:tgtEl>
@@ -31378,7 +32513,7 @@
                                     </p:set>
                                     <p:set>
                                       <p:cBhvr>
-                                        <p:cTn id="21" dur="500" fill="hold"/>
+                                        <p:cTn id="21" dur="1000" fill="hold"/>
                                         <p:tgtEl>
                                           <p:spTgt spid="14"/>
                                         </p:tgtEl>
@@ -32680,6 +33815,9 @@
                     <p:cTn id="3" fill="hold">
                       <p:stCondLst>
                         <p:cond delay="indefinite"/>
+                        <p:cond evt="onBegin" delay="0">
+                          <p:tn val="2"/>
+                        </p:cond>
                       </p:stCondLst>
                       <p:childTnLst>
                         <p:par>
@@ -32689,7 +33827,7 @@
                             </p:stCondLst>
                             <p:childTnLst>
                               <p:par>
-                                <p:cTn id="5" presetID="1" presetClass="entr" presetSubtype="0" fill="hold" grpId="0" nodeType="clickEffect">
+                                <p:cTn id="5" presetID="1" presetClass="entr" presetSubtype="0" fill="hold" grpId="0" nodeType="withEffect">
                                   <p:stCondLst>
                                     <p:cond delay="0"/>
                                   </p:stCondLst>
@@ -33179,9 +34317,280 @@
   <p:timing>
     <p:tnLst>
       <p:par>
-        <p:cTn id="1" dur="indefinite" restart="never" nodeType="tmRoot"/>
+        <p:cTn id="1" dur="indefinite" restart="never" nodeType="tmRoot">
+          <p:childTnLst>
+            <p:seq concurrent="1" nextAc="seek">
+              <p:cTn id="2" dur="indefinite" nodeType="mainSeq">
+                <p:childTnLst>
+                  <p:par>
+                    <p:cTn id="3" fill="hold">
+                      <p:stCondLst>
+                        <p:cond delay="indefinite"/>
+                      </p:stCondLst>
+                      <p:childTnLst>
+                        <p:par>
+                          <p:cTn id="4" fill="hold">
+                            <p:stCondLst>
+                              <p:cond delay="0"/>
+                            </p:stCondLst>
+                            <p:childTnLst>
+                              <p:par>
+                                <p:cTn id="5" presetID="1" presetClass="entr" presetSubtype="0" fill="hold" grpId="0" nodeType="clickEffect">
+                                  <p:stCondLst>
+                                    <p:cond delay="0"/>
+                                  </p:stCondLst>
+                                  <p:childTnLst>
+                                    <p:set>
+                                      <p:cBhvr>
+                                        <p:cTn id="6" dur="1" fill="hold">
+                                          <p:stCondLst>
+                                            <p:cond delay="0"/>
+                                          </p:stCondLst>
+                                        </p:cTn>
+                                        <p:tgtEl>
+                                          <p:spTgt spid="3">
+                                            <p:txEl>
+                                              <p:pRg st="0" end="0"/>
+                                            </p:txEl>
+                                          </p:spTgt>
+                                        </p:tgtEl>
+                                        <p:attrNameLst>
+                                          <p:attrName>style.visibility</p:attrName>
+                                        </p:attrNameLst>
+                                      </p:cBhvr>
+                                      <p:to>
+                                        <p:strVal val="visible"/>
+                                      </p:to>
+                                    </p:set>
+                                  </p:childTnLst>
+                                </p:cTn>
+                              </p:par>
+                            </p:childTnLst>
+                          </p:cTn>
+                        </p:par>
+                      </p:childTnLst>
+                    </p:cTn>
+                  </p:par>
+                  <p:par>
+                    <p:cTn id="7" fill="hold">
+                      <p:stCondLst>
+                        <p:cond delay="indefinite"/>
+                      </p:stCondLst>
+                      <p:childTnLst>
+                        <p:par>
+                          <p:cTn id="8" fill="hold">
+                            <p:stCondLst>
+                              <p:cond delay="0"/>
+                            </p:stCondLst>
+                            <p:childTnLst>
+                              <p:par>
+                                <p:cTn id="9" presetID="1" presetClass="entr" presetSubtype="0" fill="hold" grpId="0" nodeType="clickEffect">
+                                  <p:stCondLst>
+                                    <p:cond delay="0"/>
+                                  </p:stCondLst>
+                                  <p:childTnLst>
+                                    <p:set>
+                                      <p:cBhvr>
+                                        <p:cTn id="10" dur="1" fill="hold">
+                                          <p:stCondLst>
+                                            <p:cond delay="0"/>
+                                          </p:stCondLst>
+                                        </p:cTn>
+                                        <p:tgtEl>
+                                          <p:spTgt spid="3">
+                                            <p:txEl>
+                                              <p:pRg st="1" end="1"/>
+                                            </p:txEl>
+                                          </p:spTgt>
+                                        </p:tgtEl>
+                                        <p:attrNameLst>
+                                          <p:attrName>style.visibility</p:attrName>
+                                        </p:attrNameLst>
+                                      </p:cBhvr>
+                                      <p:to>
+                                        <p:strVal val="visible"/>
+                                      </p:to>
+                                    </p:set>
+                                  </p:childTnLst>
+                                </p:cTn>
+                              </p:par>
+                            </p:childTnLst>
+                          </p:cTn>
+                        </p:par>
+                      </p:childTnLst>
+                    </p:cTn>
+                  </p:par>
+                  <p:par>
+                    <p:cTn id="11" fill="hold">
+                      <p:stCondLst>
+                        <p:cond delay="indefinite"/>
+                      </p:stCondLst>
+                      <p:childTnLst>
+                        <p:par>
+                          <p:cTn id="12" fill="hold">
+                            <p:stCondLst>
+                              <p:cond delay="0"/>
+                            </p:stCondLst>
+                            <p:childTnLst>
+                              <p:par>
+                                <p:cTn id="13" presetID="1" presetClass="entr" presetSubtype="0" fill="hold" grpId="0" nodeType="clickEffect">
+                                  <p:stCondLst>
+                                    <p:cond delay="0"/>
+                                  </p:stCondLst>
+                                  <p:childTnLst>
+                                    <p:set>
+                                      <p:cBhvr>
+                                        <p:cTn id="14" dur="1" fill="hold">
+                                          <p:stCondLst>
+                                            <p:cond delay="0"/>
+                                          </p:stCondLst>
+                                        </p:cTn>
+                                        <p:tgtEl>
+                                          <p:spTgt spid="3">
+                                            <p:txEl>
+                                              <p:pRg st="2" end="2"/>
+                                            </p:txEl>
+                                          </p:spTgt>
+                                        </p:tgtEl>
+                                        <p:attrNameLst>
+                                          <p:attrName>style.visibility</p:attrName>
+                                        </p:attrNameLst>
+                                      </p:cBhvr>
+                                      <p:to>
+                                        <p:strVal val="visible"/>
+                                      </p:to>
+                                    </p:set>
+                                  </p:childTnLst>
+                                </p:cTn>
+                              </p:par>
+                            </p:childTnLst>
+                          </p:cTn>
+                        </p:par>
+                      </p:childTnLst>
+                    </p:cTn>
+                  </p:par>
+                  <p:par>
+                    <p:cTn id="15" fill="hold">
+                      <p:stCondLst>
+                        <p:cond delay="indefinite"/>
+                      </p:stCondLst>
+                      <p:childTnLst>
+                        <p:par>
+                          <p:cTn id="16" fill="hold">
+                            <p:stCondLst>
+                              <p:cond delay="0"/>
+                            </p:stCondLst>
+                            <p:childTnLst>
+                              <p:par>
+                                <p:cTn id="17" presetID="1" presetClass="entr" presetSubtype="0" fill="hold" grpId="0" nodeType="clickEffect">
+                                  <p:stCondLst>
+                                    <p:cond delay="0"/>
+                                  </p:stCondLst>
+                                  <p:childTnLst>
+                                    <p:set>
+                                      <p:cBhvr>
+                                        <p:cTn id="18" dur="1" fill="hold">
+                                          <p:stCondLst>
+                                            <p:cond delay="0"/>
+                                          </p:stCondLst>
+                                        </p:cTn>
+                                        <p:tgtEl>
+                                          <p:spTgt spid="3">
+                                            <p:txEl>
+                                              <p:pRg st="3" end="3"/>
+                                            </p:txEl>
+                                          </p:spTgt>
+                                        </p:tgtEl>
+                                        <p:attrNameLst>
+                                          <p:attrName>style.visibility</p:attrName>
+                                        </p:attrNameLst>
+                                      </p:cBhvr>
+                                      <p:to>
+                                        <p:strVal val="visible"/>
+                                      </p:to>
+                                    </p:set>
+                                  </p:childTnLst>
+                                </p:cTn>
+                              </p:par>
+                            </p:childTnLst>
+                          </p:cTn>
+                        </p:par>
+                      </p:childTnLst>
+                    </p:cTn>
+                  </p:par>
+                  <p:par>
+                    <p:cTn id="19" fill="hold">
+                      <p:stCondLst>
+                        <p:cond delay="indefinite"/>
+                      </p:stCondLst>
+                      <p:childTnLst>
+                        <p:par>
+                          <p:cTn id="20" fill="hold">
+                            <p:stCondLst>
+                              <p:cond delay="0"/>
+                            </p:stCondLst>
+                            <p:childTnLst>
+                              <p:par>
+                                <p:cTn id="21" presetID="1" presetClass="entr" presetSubtype="0" fill="hold" grpId="0" nodeType="clickEffect">
+                                  <p:stCondLst>
+                                    <p:cond delay="0"/>
+                                  </p:stCondLst>
+                                  <p:childTnLst>
+                                    <p:set>
+                                      <p:cBhvr>
+                                        <p:cTn id="22" dur="1" fill="hold">
+                                          <p:stCondLst>
+                                            <p:cond delay="0"/>
+                                          </p:stCondLst>
+                                        </p:cTn>
+                                        <p:tgtEl>
+                                          <p:spTgt spid="3">
+                                            <p:txEl>
+                                              <p:pRg st="4" end="4"/>
+                                            </p:txEl>
+                                          </p:spTgt>
+                                        </p:tgtEl>
+                                        <p:attrNameLst>
+                                          <p:attrName>style.visibility</p:attrName>
+                                        </p:attrNameLst>
+                                      </p:cBhvr>
+                                      <p:to>
+                                        <p:strVal val="visible"/>
+                                      </p:to>
+                                    </p:set>
+                                  </p:childTnLst>
+                                </p:cTn>
+                              </p:par>
+                            </p:childTnLst>
+                          </p:cTn>
+                        </p:par>
+                      </p:childTnLst>
+                    </p:cTn>
+                  </p:par>
+                </p:childTnLst>
+              </p:cTn>
+              <p:prevCondLst>
+                <p:cond evt="onPrev" delay="0">
+                  <p:tgtEl>
+                    <p:sldTgt/>
+                  </p:tgtEl>
+                </p:cond>
+              </p:prevCondLst>
+              <p:nextCondLst>
+                <p:cond evt="onNext" delay="0">
+                  <p:tgtEl>
+                    <p:sldTgt/>
+                  </p:tgtEl>
+                </p:cond>
+              </p:nextCondLst>
+            </p:seq>
+          </p:childTnLst>
+        </p:cTn>
       </p:par>
     </p:tnLst>
+    <p:bldLst>
+      <p:bldP spid="3" grpId="0" uiExpand="1" build="p"/>
+    </p:bldLst>
   </p:timing>
 </p:sld>
 </file>
@@ -33418,6 +34827,32 @@
             <a:endParaRPr lang="en-US" dirty="0">
               <a:latin typeface="Consolas" pitchFamily="49" charset="0"/>
             </a:endParaRPr>
+          </a:p>
+        </p:txBody>
+      </p:sp>
+      <p:sp>
+        <p:nvSpPr>
+          <p:cNvPr id="2" name="Footer Placeholder 1"/>
+          <p:cNvSpPr>
+            <a:spLocks noGrp="1"/>
+          </p:cNvSpPr>
+          <p:nvPr>
+            <p:ph type="ftr" sz="quarter" idx="11"/>
+          </p:nvPr>
+        </p:nvSpPr>
+        <p:spPr/>
+        <p:txBody>
+          <a:bodyPr/>
+          <a:lstStyle/>
+          <a:p>
+            <a:pPr>
+              <a:defRPr/>
+            </a:pPr>
+            <a:r>
+              <a:rPr lang="en-US" smtClean="0"/>
+              <a:t>@dahlbyk #ThatConference</a:t>
+            </a:r>
+            <a:endParaRPr lang="en-US" dirty="0"/>
           </a:p>
         </p:txBody>
       </p:sp>
@@ -33902,6 +35337,32 @@
           </a:p>
         </p:txBody>
       </p:sp>
+      <p:sp>
+        <p:nvSpPr>
+          <p:cNvPr id="5" name="Footer Placeholder 4"/>
+          <p:cNvSpPr>
+            <a:spLocks noGrp="1"/>
+          </p:cNvSpPr>
+          <p:nvPr>
+            <p:ph type="ftr" sz="quarter" idx="11"/>
+          </p:nvPr>
+        </p:nvSpPr>
+        <p:spPr/>
+        <p:txBody>
+          <a:bodyPr/>
+          <a:lstStyle/>
+          <a:p>
+            <a:pPr>
+              <a:defRPr/>
+            </a:pPr>
+            <a:r>
+              <a:rPr lang="en-US" smtClean="0"/>
+              <a:t>@dahlbyk #ThatConference</a:t>
+            </a:r>
+            <a:endParaRPr lang="en-US" dirty="0"/>
+          </a:p>
+        </p:txBody>
+      </p:sp>
     </p:spTree>
     <p:extLst>
       <p:ext uri="{BB962C8B-B14F-4D97-AF65-F5344CB8AC3E}">
@@ -34236,29 +35697,40 @@
         <p:spPr/>
         <p:txBody>
           <a:bodyPr>
-            <a:normAutofit fontScale="55000" lnSpcReduction="20000"/>
+            <a:noAutofit/>
           </a:bodyPr>
           <a:lstStyle/>
           <a:p>
-            <a:r>
-              <a:rPr lang="en-US" dirty="0" smtClean="0"/>
+            <a:pPr>
+              <a:spcBef>
+                <a:spcPts val="0"/>
+              </a:spcBef>
+            </a:pPr>
+            <a:r>
+              <a:rPr lang="en-US" sz="1600" dirty="0" smtClean="0"/>
               <a:t>Merge without rebase</a:t>
             </a:r>
           </a:p>
           <a:p>
             <a:pPr>
+              <a:spcBef>
+                <a:spcPts val="0"/>
+              </a:spcBef>
               <a:buNone/>
             </a:pPr>
-            <a:endParaRPr lang="en-US" dirty="0">
+            <a:endParaRPr lang="en-US" sz="1600" dirty="0">
               <a:latin typeface="Consolas" pitchFamily="49" charset="0"/>
             </a:endParaRPr>
           </a:p>
           <a:p>
             <a:pPr>
+              <a:spcBef>
+                <a:spcPts val="0"/>
+              </a:spcBef>
               <a:buNone/>
             </a:pPr>
             <a:r>
-              <a:rPr lang="en-US" dirty="0">
+              <a:rPr lang="en-US" sz="1600" dirty="0">
                 <a:latin typeface="Consolas" pitchFamily="49" charset="0"/>
               </a:rPr>
               <a:t>      A---B---C topic</a:t>
@@ -34266,10 +35738,13 @@
           </a:p>
           <a:p>
             <a:pPr>
+              <a:spcBef>
+                <a:spcPts val="0"/>
+              </a:spcBef>
               <a:buNone/>
             </a:pPr>
             <a:r>
-              <a:rPr lang="en-US" dirty="0">
+              <a:rPr lang="en-US" sz="1600" dirty="0">
                 <a:latin typeface="Consolas" pitchFamily="49" charset="0"/>
               </a:rPr>
               <a:t>     /         \</a:t>
@@ -34277,10 +35752,13 @@
           </a:p>
           <a:p>
             <a:pPr>
+              <a:spcBef>
+                <a:spcPts val="0"/>
+              </a:spcBef>
               <a:buNone/>
             </a:pPr>
             <a:r>
-              <a:rPr lang="en-US" dirty="0">
+              <a:rPr lang="en-US" sz="1600" dirty="0">
                 <a:latin typeface="Consolas" pitchFamily="49" charset="0"/>
               </a:rPr>
               <a:t>D---E---F---B'--M master</a:t>
@@ -34288,32 +35766,46 @@
           </a:p>
           <a:p>
             <a:pPr>
+              <a:spcBef>
+                <a:spcPts val="0"/>
+              </a:spcBef>
               <a:buNone/>
             </a:pPr>
-            <a:endParaRPr lang="en-US" dirty="0">
+            <a:endParaRPr lang="en-US" sz="1600" dirty="0">
               <a:latin typeface="Consolas" pitchFamily="49" charset="0"/>
             </a:endParaRPr>
           </a:p>
           <a:p>
-            <a:r>
-              <a:rPr lang="en-US" dirty="0" smtClean="0"/>
+            <a:pPr>
+              <a:spcBef>
+                <a:spcPts val="0"/>
+              </a:spcBef>
+            </a:pPr>
+            <a:r>
+              <a:rPr lang="en-US" sz="1600" dirty="0" smtClean="0"/>
               <a:t>Merge after rebase</a:t>
             </a:r>
           </a:p>
           <a:p>
             <a:pPr>
+              <a:spcBef>
+                <a:spcPts val="0"/>
+              </a:spcBef>
               <a:buNone/>
             </a:pPr>
-            <a:endParaRPr lang="en-US" dirty="0">
+            <a:endParaRPr lang="en-US" sz="1600" dirty="0">
               <a:latin typeface="Consolas" pitchFamily="49" charset="0"/>
             </a:endParaRPr>
           </a:p>
           <a:p>
             <a:pPr>
+              <a:spcBef>
+                <a:spcPts val="0"/>
+              </a:spcBef>
               <a:buNone/>
             </a:pPr>
             <a:r>
-              <a:rPr lang="en-US" dirty="0">
+              <a:rPr lang="en-US" sz="1600" dirty="0">
                 <a:latin typeface="Consolas" pitchFamily="49" charset="0"/>
               </a:rPr>
               <a:t>D---E---F---B'--A'--C' master, topic</a:t>
@@ -34321,9 +35813,12 @@
           </a:p>
           <a:p>
             <a:pPr>
+              <a:spcBef>
+                <a:spcPts val="0"/>
+              </a:spcBef>
               <a:buNone/>
             </a:pPr>
-            <a:endParaRPr lang="en-US" dirty="0" smtClean="0">
+            <a:endParaRPr lang="en-US" sz="1600" dirty="0" smtClean="0">
               <a:solidFill>
                 <a:prstClr val="black"/>
               </a:solidFill>
@@ -34332,12 +35827,15 @@
           </a:p>
           <a:p>
             <a:pPr lvl="0">
+              <a:spcBef>
+                <a:spcPts val="0"/>
+              </a:spcBef>
               <a:buClr>
                 <a:srgbClr val="4F81BD"/>
               </a:buClr>
             </a:pPr>
             <a:r>
-              <a:rPr lang="en-US" dirty="0" smtClean="0">
+              <a:rPr lang="en-US" sz="1600" dirty="0" smtClean="0">
                 <a:solidFill>
                   <a:prstClr val="black"/>
                 </a:solidFill>
@@ -34345,7 +35843,7 @@
               <a:t>Deck of cards: shuffle </a:t>
             </a:r>
             <a:r>
-              <a:rPr lang="en-US" dirty="0" err="1" smtClean="0">
+              <a:rPr lang="en-US" sz="1600" dirty="0" err="1" smtClean="0">
                 <a:solidFill>
                   <a:prstClr val="black"/>
                 </a:solidFill>
@@ -34353,7 +35851,7 @@
               <a:t>vs</a:t>
             </a:r>
             <a:r>
-              <a:rPr lang="en-US" dirty="0" smtClean="0">
+              <a:rPr lang="en-US" sz="1600" dirty="0" smtClean="0">
                 <a:solidFill>
                   <a:prstClr val="black"/>
                 </a:solidFill>
@@ -34363,11 +35861,40 @@
           </a:p>
           <a:p>
             <a:pPr>
+              <a:spcBef>
+                <a:spcPts val="0"/>
+              </a:spcBef>
               <a:buNone/>
             </a:pPr>
-            <a:endParaRPr lang="en-US" dirty="0">
+            <a:endParaRPr lang="en-US" sz="1600" dirty="0">
               <a:latin typeface="Consolas" pitchFamily="49" charset="0"/>
             </a:endParaRPr>
+          </a:p>
+        </p:txBody>
+      </p:sp>
+      <p:sp>
+        <p:nvSpPr>
+          <p:cNvPr id="5" name="Footer Placeholder 4"/>
+          <p:cNvSpPr>
+            <a:spLocks noGrp="1"/>
+          </p:cNvSpPr>
+          <p:nvPr>
+            <p:ph type="ftr" sz="quarter" idx="11"/>
+          </p:nvPr>
+        </p:nvSpPr>
+        <p:spPr/>
+        <p:txBody>
+          <a:bodyPr/>
+          <a:lstStyle/>
+          <a:p>
+            <a:pPr>
+              <a:defRPr/>
+            </a:pPr>
+            <a:r>
+              <a:rPr lang="en-US" smtClean="0"/>
+              <a:t>@dahlbyk #ThatConference</a:t>
+            </a:r>
+            <a:endParaRPr lang="en-US" dirty="0"/>
           </a:p>
         </p:txBody>
       </p:sp>
@@ -34829,6 +36356,32 @@
           </a:prstGeom>
         </p:spPr>
       </p:pic>
+      <p:sp>
+        <p:nvSpPr>
+          <p:cNvPr id="3" name="Footer Placeholder 2"/>
+          <p:cNvSpPr>
+            <a:spLocks noGrp="1"/>
+          </p:cNvSpPr>
+          <p:nvPr>
+            <p:ph type="ftr" sz="quarter" idx="11"/>
+          </p:nvPr>
+        </p:nvSpPr>
+        <p:spPr/>
+        <p:txBody>
+          <a:bodyPr/>
+          <a:lstStyle/>
+          <a:p>
+            <a:pPr>
+              <a:defRPr/>
+            </a:pPr>
+            <a:r>
+              <a:rPr lang="en-US" smtClean="0"/>
+              <a:t>@dahlbyk #ThatConference</a:t>
+            </a:r>
+            <a:endParaRPr lang="en-US" dirty="0"/>
+          </a:p>
+        </p:txBody>
+      </p:sp>
     </p:spTree>
     <p:extLst>
       <p:ext uri="{BB962C8B-B14F-4D97-AF65-F5344CB8AC3E}">
@@ -34910,29 +36463,40 @@
         <p:spPr/>
         <p:txBody>
           <a:bodyPr>
-            <a:normAutofit fontScale="55000" lnSpcReduction="20000"/>
+            <a:noAutofit/>
           </a:bodyPr>
           <a:lstStyle/>
           <a:p>
-            <a:r>
-              <a:rPr lang="en-US" dirty="0" smtClean="0"/>
+            <a:pPr>
+              <a:spcBef>
+                <a:spcPts val="0"/>
+              </a:spcBef>
+            </a:pPr>
+            <a:r>
+              <a:rPr lang="en-US" sz="1600" dirty="0" smtClean="0"/>
               <a:t>Replay commits</a:t>
             </a:r>
           </a:p>
           <a:p>
             <a:pPr>
+              <a:spcBef>
+                <a:spcPts val="0"/>
+              </a:spcBef>
               <a:buNone/>
             </a:pPr>
-            <a:endParaRPr lang="en-US" dirty="0">
+            <a:endParaRPr lang="en-US" sz="1600" dirty="0">
               <a:latin typeface="Consolas" pitchFamily="49" charset="0"/>
             </a:endParaRPr>
           </a:p>
           <a:p>
             <a:pPr>
+              <a:spcBef>
+                <a:spcPts val="0"/>
+              </a:spcBef>
               <a:buNone/>
             </a:pPr>
             <a:r>
-              <a:rPr lang="en-US" dirty="0">
+              <a:rPr lang="en-US" sz="1600" dirty="0">
                 <a:latin typeface="Consolas" pitchFamily="49" charset="0"/>
               </a:rPr>
               <a:t>      A---B---C topic</a:t>
@@ -34940,10 +36504,13 @@
           </a:p>
           <a:p>
             <a:pPr>
+              <a:spcBef>
+                <a:spcPts val="0"/>
+              </a:spcBef>
               <a:buNone/>
             </a:pPr>
             <a:r>
-              <a:rPr lang="en-US" dirty="0">
+              <a:rPr lang="en-US" sz="1600" dirty="0">
                 <a:latin typeface="Consolas" pitchFamily="49" charset="0"/>
               </a:rPr>
               <a:t>     /</a:t>
@@ -34951,10 +36518,13 @@
           </a:p>
           <a:p>
             <a:pPr>
+              <a:spcBef>
+                <a:spcPts val="0"/>
+              </a:spcBef>
               <a:buNone/>
             </a:pPr>
             <a:r>
-              <a:rPr lang="en-US" dirty="0">
+              <a:rPr lang="en-US" sz="1600" dirty="0">
                 <a:latin typeface="Consolas" pitchFamily="49" charset="0"/>
               </a:rPr>
               <a:t>D---E---F---B' master, HEAD</a:t>
@@ -34962,15 +36532,23 @@
           </a:p>
           <a:p>
             <a:pPr>
+              <a:spcBef>
+                <a:spcPts val="0"/>
+              </a:spcBef>
               <a:buNone/>
             </a:pPr>
-            <a:endParaRPr lang="en-US" dirty="0">
+            <a:endParaRPr lang="en-US" sz="1600" dirty="0">
               <a:latin typeface="Consolas" pitchFamily="49" charset="0"/>
             </a:endParaRPr>
           </a:p>
           <a:p>
-            <a:r>
-              <a:rPr lang="en-US" dirty="0" smtClean="0">
+            <a:pPr>
+              <a:spcBef>
+                <a:spcPts val="0"/>
+              </a:spcBef>
+            </a:pPr>
+            <a:r>
+              <a:rPr lang="en-US" sz="1600" dirty="0" smtClean="0">
                 <a:latin typeface="Consolas" pitchFamily="49" charset="0"/>
               </a:rPr>
               <a:t>git rebase master topic</a:t>
@@ -34978,18 +36556,24 @@
           </a:p>
           <a:p>
             <a:pPr>
+              <a:spcBef>
+                <a:spcPts val="0"/>
+              </a:spcBef>
               <a:buNone/>
             </a:pPr>
-            <a:endParaRPr lang="en-US" dirty="0">
+            <a:endParaRPr lang="en-US" sz="1600" dirty="0">
               <a:latin typeface="Consolas" pitchFamily="49" charset="0"/>
             </a:endParaRPr>
           </a:p>
           <a:p>
             <a:pPr>
+              <a:spcBef>
+                <a:spcPts val="0"/>
+              </a:spcBef>
               <a:buNone/>
             </a:pPr>
             <a:r>
-              <a:rPr lang="en-US" dirty="0">
+              <a:rPr lang="en-US" sz="1600" dirty="0">
                 <a:latin typeface="Consolas" pitchFamily="49" charset="0"/>
               </a:rPr>
               <a:t>              A'--C' topic, HEAD</a:t>
@@ -34997,10 +36581,13 @@
           </a:p>
           <a:p>
             <a:pPr>
+              <a:spcBef>
+                <a:spcPts val="0"/>
+              </a:spcBef>
               <a:buNone/>
             </a:pPr>
             <a:r>
-              <a:rPr lang="en-US" dirty="0">
+              <a:rPr lang="en-US" sz="1600" dirty="0">
                 <a:latin typeface="Consolas" pitchFamily="49" charset="0"/>
               </a:rPr>
               <a:t>             /</a:t>
@@ -35008,15 +36595,18 @@
           </a:p>
           <a:p>
             <a:pPr>
+              <a:spcBef>
+                <a:spcPts val="0"/>
+              </a:spcBef>
               <a:buNone/>
             </a:pPr>
             <a:r>
-              <a:rPr lang="en-US" dirty="0">
+              <a:rPr lang="en-US" sz="1600" dirty="0">
                 <a:latin typeface="Consolas" pitchFamily="49" charset="0"/>
               </a:rPr>
               <a:t>D---E---F---B' master</a:t>
             </a:r>
-            <a:endParaRPr lang="en-US" dirty="0">
+            <a:endParaRPr lang="en-US" sz="1600" dirty="0">
               <a:latin typeface="Consolas" pitchFamily="49" charset="0"/>
             </a:endParaRPr>
           </a:p>
@@ -35024,59 +36614,25 @@
       </p:sp>
       <p:sp>
         <p:nvSpPr>
-          <p:cNvPr id="4" name="Slide Number Placeholder 5"/>
+          <p:cNvPr id="5" name="Footer Placeholder 4"/>
           <p:cNvSpPr>
             <a:spLocks noGrp="1"/>
           </p:cNvSpPr>
           <p:nvPr>
-            <p:ph type="sldNum" sz="quarter" idx="4294967295"/>
+            <p:ph type="ftr" sz="quarter" idx="11"/>
           </p:nvPr>
         </p:nvSpPr>
-        <p:spPr>
-          <a:xfrm>
-            <a:off x="8077200" y="6476999"/>
-            <a:ext cx="2385060" cy="274320"/>
-          </a:xfrm>
-          <a:prstGeom prst="rect">
-            <a:avLst/>
-          </a:prstGeom>
-        </p:spPr>
-        <p:txBody>
-          <a:bodyPr vert="horz" bIns="0" rtlCol="0" anchor="b">
-            <a:normAutofit/>
-          </a:bodyPr>
-          <a:lstStyle>
-            <a:lvl1pPr algn="r" eaLnBrk="1" latinLnBrk="0" hangingPunct="1">
-              <a:defRPr kumimoji="0" sz="1200">
-                <a:solidFill>
-                  <a:schemeClr val="tx1">
-                    <a:tint val="95000"/>
-                  </a:schemeClr>
-                </a:solidFill>
-              </a:defRPr>
-            </a:lvl1pPr>
-            <a:extLst/>
-          </a:lstStyle>
+        <p:spPr/>
+        <p:txBody>
+          <a:bodyPr/>
+          <a:lstStyle/>
           <a:p>
             <a:pPr>
-              <a:buNone/>
               <a:defRPr/>
             </a:pPr>
             <a:r>
-              <a:rPr lang="en-US" dirty="0" smtClean="0"/>
-              <a:t>@</a:t>
-            </a:r>
-            <a:r>
-              <a:rPr lang="en-US" dirty="0" err="1" smtClean="0"/>
-              <a:t>dahlbyk</a:t>
-            </a:r>
-            <a:r>
-              <a:rPr lang="en-US" dirty="0" smtClean="0"/>
-              <a:t> #</a:t>
-            </a:r>
-            <a:r>
-              <a:rPr lang="en-US" dirty="0" err="1" smtClean="0"/>
-              <a:t>sflcc</a:t>
+              <a:rPr lang="en-US" smtClean="0"/>
+              <a:t>@dahlbyk #ThatConference</a:t>
             </a:r>
             <a:endParaRPr lang="en-US" dirty="0"/>
           </a:p>
@@ -35470,29 +37026,40 @@
         <p:spPr/>
         <p:txBody>
           <a:bodyPr>
-            <a:normAutofit fontScale="55000" lnSpcReduction="20000"/>
+            <a:noAutofit/>
           </a:bodyPr>
           <a:lstStyle/>
           <a:p>
-            <a:r>
-              <a:rPr lang="en-US" dirty="0" smtClean="0"/>
+            <a:pPr>
+              <a:spcBef>
+                <a:spcPts val="0"/>
+              </a:spcBef>
+            </a:pPr>
+            <a:r>
+              <a:rPr lang="en-US" sz="1600" dirty="0" smtClean="0"/>
               <a:t>Replay commits with modifications</a:t>
             </a:r>
           </a:p>
           <a:p>
             <a:pPr>
+              <a:spcBef>
+                <a:spcPts val="0"/>
+              </a:spcBef>
               <a:buNone/>
             </a:pPr>
-            <a:endParaRPr lang="en-US" dirty="0">
+            <a:endParaRPr lang="en-US" sz="1600" dirty="0">
               <a:latin typeface="Consolas" pitchFamily="49" charset="0"/>
             </a:endParaRPr>
           </a:p>
           <a:p>
             <a:pPr>
+              <a:spcBef>
+                <a:spcPts val="0"/>
+              </a:spcBef>
               <a:buNone/>
             </a:pPr>
             <a:r>
-              <a:rPr lang="en-US" dirty="0">
+              <a:rPr lang="en-US" sz="1600" dirty="0">
                 <a:latin typeface="Consolas" pitchFamily="49" charset="0"/>
               </a:rPr>
               <a:t>      A---B---C topic, HEAD</a:t>
@@ -35500,10 +37067,13 @@
           </a:p>
           <a:p>
             <a:pPr>
+              <a:spcBef>
+                <a:spcPts val="0"/>
+              </a:spcBef>
               <a:buNone/>
             </a:pPr>
             <a:r>
-              <a:rPr lang="en-US" dirty="0">
+              <a:rPr lang="en-US" sz="1600" dirty="0">
                 <a:latin typeface="Consolas" pitchFamily="49" charset="0"/>
               </a:rPr>
               <a:t>     /</a:t>
@@ -35511,10 +37081,13 @@
           </a:p>
           <a:p>
             <a:pPr>
+              <a:spcBef>
+                <a:spcPts val="0"/>
+              </a:spcBef>
               <a:buNone/>
             </a:pPr>
             <a:r>
-              <a:rPr lang="en-US" dirty="0">
+              <a:rPr lang="en-US" sz="1600" dirty="0">
                 <a:latin typeface="Consolas" pitchFamily="49" charset="0"/>
               </a:rPr>
               <a:t>D---E master</a:t>
@@ -35522,20 +37095,26 @@
           </a:p>
           <a:p>
             <a:pPr>
+              <a:spcBef>
+                <a:spcPts val="0"/>
+              </a:spcBef>
               <a:buNone/>
             </a:pPr>
-            <a:endParaRPr lang="en-US" dirty="0">
+            <a:endParaRPr lang="en-US" sz="1600" dirty="0">
               <a:latin typeface="Consolas" pitchFamily="49" charset="0"/>
             </a:endParaRPr>
           </a:p>
           <a:p>
             <a:pPr lvl="0">
+              <a:spcBef>
+                <a:spcPts val="0"/>
+              </a:spcBef>
               <a:buClr>
                 <a:srgbClr val="4F81BD"/>
               </a:buClr>
             </a:pPr>
             <a:r>
-              <a:rPr lang="en-US" dirty="0" smtClean="0">
+              <a:rPr lang="en-US" sz="1600" dirty="0" smtClean="0">
                 <a:solidFill>
                   <a:prstClr val="black"/>
                 </a:solidFill>
@@ -35544,7 +37123,7 @@
               <a:t>git rebase -</a:t>
             </a:r>
             <a:r>
-              <a:rPr lang="en-US" dirty="0" err="1" smtClean="0">
+              <a:rPr lang="en-US" sz="1600" dirty="0" err="1" smtClean="0">
                 <a:solidFill>
                   <a:prstClr val="black"/>
                 </a:solidFill>
@@ -35553,7 +37132,7 @@
               <a:t>i</a:t>
             </a:r>
             <a:r>
-              <a:rPr lang="en-US" dirty="0" smtClean="0">
+              <a:rPr lang="en-US" sz="1600" dirty="0" smtClean="0">
                 <a:solidFill>
                   <a:prstClr val="black"/>
                 </a:solidFill>
@@ -35564,18 +37143,24 @@
           </a:p>
           <a:p>
             <a:pPr>
+              <a:spcBef>
+                <a:spcPts val="0"/>
+              </a:spcBef>
               <a:buNone/>
             </a:pPr>
-            <a:endParaRPr lang="en-US" dirty="0">
+            <a:endParaRPr lang="en-US" sz="1600" dirty="0">
               <a:latin typeface="Consolas" pitchFamily="49" charset="0"/>
             </a:endParaRPr>
           </a:p>
           <a:p>
             <a:pPr>
+              <a:spcBef>
+                <a:spcPts val="0"/>
+              </a:spcBef>
               <a:buNone/>
             </a:pPr>
             <a:r>
-              <a:rPr lang="en-US" dirty="0">
+              <a:rPr lang="en-US" sz="1600" dirty="0">
                 <a:latin typeface="Consolas" pitchFamily="49" charset="0"/>
               </a:rPr>
               <a:t>      C'---(A+B)' topic, HEAD</a:t>
@@ -35583,10 +37168,13 @@
           </a:p>
           <a:p>
             <a:pPr>
+              <a:spcBef>
+                <a:spcPts val="0"/>
+              </a:spcBef>
               <a:buNone/>
             </a:pPr>
             <a:r>
-              <a:rPr lang="en-US" dirty="0">
+              <a:rPr lang="en-US" sz="1600" dirty="0">
                 <a:latin typeface="Consolas" pitchFamily="49" charset="0"/>
               </a:rPr>
               <a:t>     /</a:t>
@@ -35594,15 +37182,18 @@
           </a:p>
           <a:p>
             <a:pPr>
+              <a:spcBef>
+                <a:spcPts val="0"/>
+              </a:spcBef>
               <a:buNone/>
             </a:pPr>
             <a:r>
-              <a:rPr lang="en-US" dirty="0">
+              <a:rPr lang="en-US" sz="1600" dirty="0">
                 <a:latin typeface="Consolas" pitchFamily="49" charset="0"/>
               </a:rPr>
               <a:t>D---E master</a:t>
             </a:r>
-            <a:endParaRPr lang="en-US" dirty="0" smtClean="0">
+            <a:endParaRPr lang="en-US" sz="1600" dirty="0" smtClean="0">
               <a:latin typeface="Consolas" pitchFamily="49" charset="0"/>
             </a:endParaRPr>
           </a:p>
@@ -35610,59 +37201,25 @@
       </p:sp>
       <p:sp>
         <p:nvSpPr>
-          <p:cNvPr id="4" name="Slide Number Placeholder 5"/>
+          <p:cNvPr id="5" name="Footer Placeholder 4"/>
           <p:cNvSpPr>
             <a:spLocks noGrp="1"/>
           </p:cNvSpPr>
           <p:nvPr>
-            <p:ph type="sldNum" sz="quarter" idx="4294967295"/>
+            <p:ph type="ftr" sz="quarter" idx="11"/>
           </p:nvPr>
         </p:nvSpPr>
-        <p:spPr>
-          <a:xfrm>
-            <a:off x="8077200" y="6476999"/>
-            <a:ext cx="2385060" cy="274320"/>
-          </a:xfrm>
-          <a:prstGeom prst="rect">
-            <a:avLst/>
-          </a:prstGeom>
-        </p:spPr>
-        <p:txBody>
-          <a:bodyPr vert="horz" bIns="0" rtlCol="0" anchor="b">
-            <a:normAutofit/>
-          </a:bodyPr>
-          <a:lstStyle>
-            <a:lvl1pPr algn="r" eaLnBrk="1" latinLnBrk="0" hangingPunct="1">
-              <a:defRPr kumimoji="0" sz="1200">
-                <a:solidFill>
-                  <a:schemeClr val="tx1">
-                    <a:tint val="95000"/>
-                  </a:schemeClr>
-                </a:solidFill>
-              </a:defRPr>
-            </a:lvl1pPr>
-            <a:extLst/>
-          </a:lstStyle>
+        <p:spPr/>
+        <p:txBody>
+          <a:bodyPr/>
+          <a:lstStyle/>
           <a:p>
             <a:pPr>
-              <a:buNone/>
               <a:defRPr/>
             </a:pPr>
             <a:r>
-              <a:rPr lang="en-US" dirty="0" smtClean="0"/>
-              <a:t>@</a:t>
-            </a:r>
-            <a:r>
-              <a:rPr lang="en-US" dirty="0" err="1" smtClean="0"/>
-              <a:t>dahlbyk</a:t>
-            </a:r>
-            <a:r>
-              <a:rPr lang="en-US" dirty="0" smtClean="0"/>
-              <a:t> #</a:t>
-            </a:r>
-            <a:r>
-              <a:rPr lang="en-US" dirty="0" err="1" smtClean="0"/>
-              <a:t>sflcc</a:t>
+              <a:rPr lang="en-US" smtClean="0"/>
+              <a:t>@dahlbyk #ThatConference</a:t>
             </a:r>
             <a:endParaRPr lang="en-US" dirty="0"/>
           </a:p>
@@ -36311,59 +37868,25 @@
       </p:sp>
       <p:sp>
         <p:nvSpPr>
-          <p:cNvPr id="4" name="Slide Number Placeholder 5"/>
+          <p:cNvPr id="5" name="Footer Placeholder 4"/>
           <p:cNvSpPr>
             <a:spLocks noGrp="1"/>
           </p:cNvSpPr>
           <p:nvPr>
-            <p:ph type="sldNum" sz="quarter" idx="4294967295"/>
+            <p:ph type="ftr" sz="quarter" idx="11"/>
           </p:nvPr>
         </p:nvSpPr>
-        <p:spPr>
-          <a:xfrm>
-            <a:off x="8077200" y="6476999"/>
-            <a:ext cx="2385060" cy="274320"/>
-          </a:xfrm>
-          <a:prstGeom prst="rect">
-            <a:avLst/>
-          </a:prstGeom>
-        </p:spPr>
-        <p:txBody>
-          <a:bodyPr vert="horz" bIns="0" rtlCol="0" anchor="b">
-            <a:normAutofit/>
-          </a:bodyPr>
-          <a:lstStyle>
-            <a:lvl1pPr algn="r" eaLnBrk="1" latinLnBrk="0" hangingPunct="1">
-              <a:defRPr kumimoji="0" sz="1200">
-                <a:solidFill>
-                  <a:schemeClr val="tx1">
-                    <a:tint val="95000"/>
-                  </a:schemeClr>
-                </a:solidFill>
-              </a:defRPr>
-            </a:lvl1pPr>
-            <a:extLst/>
-          </a:lstStyle>
+        <p:spPr/>
+        <p:txBody>
+          <a:bodyPr/>
+          <a:lstStyle/>
           <a:p>
             <a:pPr>
-              <a:buNone/>
               <a:defRPr/>
             </a:pPr>
             <a:r>
-              <a:rPr lang="en-US" dirty="0" smtClean="0"/>
-              <a:t>@</a:t>
-            </a:r>
-            <a:r>
-              <a:rPr lang="en-US" dirty="0" err="1" smtClean="0"/>
-              <a:t>dahlbyk</a:t>
-            </a:r>
-            <a:r>
-              <a:rPr lang="en-US" dirty="0" smtClean="0"/>
-              <a:t> #</a:t>
-            </a:r>
-            <a:r>
-              <a:rPr lang="en-US" dirty="0" err="1" smtClean="0"/>
-              <a:t>sflcc</a:t>
+              <a:rPr lang="en-US" smtClean="0"/>
+              <a:t>@dahlbyk #ThatConference</a:t>
             </a:r>
             <a:endParaRPr lang="en-US" dirty="0"/>
           </a:p>
@@ -36854,59 +38377,25 @@
       </p:sp>
       <p:sp>
         <p:nvSpPr>
-          <p:cNvPr id="4" name="Slide Number Placeholder 5"/>
+          <p:cNvPr id="3" name="Footer Placeholder 2"/>
           <p:cNvSpPr>
             <a:spLocks noGrp="1"/>
           </p:cNvSpPr>
           <p:nvPr>
-            <p:ph type="sldNum" sz="quarter" idx="4294967295"/>
+            <p:ph type="ftr" sz="quarter" idx="11"/>
           </p:nvPr>
         </p:nvSpPr>
-        <p:spPr>
-          <a:xfrm>
-            <a:off x="8077200" y="6476999"/>
-            <a:ext cx="2385060" cy="274320"/>
-          </a:xfrm>
-          <a:prstGeom prst="rect">
-            <a:avLst/>
-          </a:prstGeom>
-        </p:spPr>
-        <p:txBody>
-          <a:bodyPr vert="horz" bIns="0" rtlCol="0" anchor="b">
-            <a:normAutofit/>
-          </a:bodyPr>
-          <a:lstStyle>
-            <a:lvl1pPr algn="r" eaLnBrk="1" latinLnBrk="0" hangingPunct="1">
-              <a:defRPr kumimoji="0" sz="1200">
-                <a:solidFill>
-                  <a:schemeClr val="tx1">
-                    <a:tint val="95000"/>
-                  </a:schemeClr>
-                </a:solidFill>
-              </a:defRPr>
-            </a:lvl1pPr>
-            <a:extLst/>
-          </a:lstStyle>
+        <p:spPr/>
+        <p:txBody>
+          <a:bodyPr/>
+          <a:lstStyle/>
           <a:p>
             <a:pPr>
-              <a:buNone/>
               <a:defRPr/>
             </a:pPr>
             <a:r>
-              <a:rPr lang="en-US" dirty="0" smtClean="0"/>
-              <a:t>@</a:t>
-            </a:r>
-            <a:r>
-              <a:rPr lang="en-US" dirty="0" err="1" smtClean="0"/>
-              <a:t>dahlbyk</a:t>
-            </a:r>
-            <a:r>
-              <a:rPr lang="en-US" dirty="0" smtClean="0"/>
-              <a:t> #</a:t>
-            </a:r>
-            <a:r>
-              <a:rPr lang="en-US" dirty="0" err="1" smtClean="0"/>
-              <a:t>sflcc</a:t>
+              <a:rPr lang="en-US" smtClean="0"/>
+              <a:t>@dahlbyk #ThatConference</a:t>
             </a:r>
             <a:endParaRPr lang="en-US" dirty="0"/>
           </a:p>
@@ -37488,6 +38977,111 @@
       </p:grpSpPr>
       <p:sp>
         <p:nvSpPr>
+          <p:cNvPr id="5" name="Title 4"/>
+          <p:cNvSpPr>
+            <a:spLocks noGrp="1"/>
+          </p:cNvSpPr>
+          <p:nvPr>
+            <p:ph type="title"/>
+          </p:nvPr>
+        </p:nvSpPr>
+        <p:spPr/>
+        <p:txBody>
+          <a:bodyPr/>
+          <a:lstStyle/>
+          <a:p>
+            <a:r>
+              <a:rPr lang="en-US" dirty="0" smtClean="0"/>
+              <a:t>Disaster Recovery</a:t>
+            </a:r>
+            <a:endParaRPr lang="en-US" dirty="0"/>
+          </a:p>
+        </p:txBody>
+      </p:sp>
+      <p:sp>
+        <p:nvSpPr>
+          <p:cNvPr id="6" name="Text Placeholder 5"/>
+          <p:cNvSpPr>
+            <a:spLocks noGrp="1"/>
+          </p:cNvSpPr>
+          <p:nvPr>
+            <p:ph type="body" idx="1"/>
+          </p:nvPr>
+        </p:nvSpPr>
+        <p:spPr/>
+        <p:txBody>
+          <a:bodyPr/>
+          <a:lstStyle/>
+          <a:p>
+            <a:endParaRPr lang="en-US"/>
+          </a:p>
+        </p:txBody>
+      </p:sp>
+      <p:sp>
+        <p:nvSpPr>
+          <p:cNvPr id="4" name="Footer Placeholder 3"/>
+          <p:cNvSpPr>
+            <a:spLocks noGrp="1"/>
+          </p:cNvSpPr>
+          <p:nvPr>
+            <p:ph type="ftr" sz="quarter" idx="11"/>
+          </p:nvPr>
+        </p:nvSpPr>
+        <p:spPr/>
+        <p:txBody>
+          <a:bodyPr/>
+          <a:lstStyle/>
+          <a:p>
+            <a:pPr>
+              <a:defRPr/>
+            </a:pPr>
+            <a:r>
+              <a:rPr lang="en-US" smtClean="0"/>
+              <a:t>@dahlbyk #ThatConference</a:t>
+            </a:r>
+            <a:endParaRPr lang="en-US" dirty="0"/>
+          </a:p>
+        </p:txBody>
+      </p:sp>
+    </p:spTree>
+    <p:extLst>
+      <p:ext uri="{BB962C8B-B14F-4D97-AF65-F5344CB8AC3E}">
+        <p14:creationId xmlns:p14="http://schemas.microsoft.com/office/powerpoint/2010/main" val="4038535336"/>
+      </p:ext>
+    </p:extLst>
+  </p:cSld>
+  <p:clrMapOvr>
+    <a:masterClrMapping/>
+  </p:clrMapOvr>
+  <p:timing>
+    <p:tnLst>
+      <p:par>
+        <p:cTn id="1" dur="indefinite" restart="never" nodeType="tmRoot"/>
+      </p:par>
+    </p:tnLst>
+  </p:timing>
+</p:sld>
+</file>
+
+<file path=ppt/slides/slide51.xml><?xml version="1.0" encoding="utf-8"?>
+<p:sld xmlns:a="http://schemas.openxmlformats.org/drawingml/2006/main" xmlns:r="http://schemas.openxmlformats.org/officeDocument/2006/relationships" xmlns:p="http://schemas.openxmlformats.org/presentationml/2006/main">
+  <p:cSld>
+    <p:spTree>
+      <p:nvGrpSpPr>
+        <p:cNvPr id="1" name=""/>
+        <p:cNvGrpSpPr/>
+        <p:nvPr/>
+      </p:nvGrpSpPr>
+      <p:grpSpPr>
+        <a:xfrm>
+          <a:off x="0" y="0"/>
+          <a:ext cx="0" cy="0"/>
+          <a:chOff x="0" y="0"/>
+          <a:chExt cx="0" cy="0"/>
+        </a:xfrm>
+      </p:grpSpPr>
+      <p:sp>
+        <p:nvSpPr>
           <p:cNvPr id="2" name="Title 1"/>
           <p:cNvSpPr>
             <a:spLocks noGrp="1"/>
@@ -37502,12 +39096,8 @@
           <a:lstStyle/>
           <a:p>
             <a:r>
-              <a:rPr lang="en-US" dirty="0" smtClean="0"/>
-              <a:t>git </a:t>
-            </a:r>
-            <a:r>
-              <a:rPr lang="en-US" dirty="0" err="1" smtClean="0"/>
-              <a:t>reflog</a:t>
+              <a:rPr lang="en-US" smtClean="0"/>
+              <a:t>git reflog</a:t>
             </a:r>
             <a:endParaRPr lang="en-US" dirty="0"/>
           </a:p>
@@ -37526,27 +39116,31 @@
         <p:spPr/>
         <p:txBody>
           <a:bodyPr>
-            <a:normAutofit fontScale="47500" lnSpcReduction="20000"/>
+            <a:normAutofit fontScale="85000" lnSpcReduction="20000"/>
           </a:bodyPr>
           <a:lstStyle/>
           <a:p>
+            <a:pPr>
+              <a:spcBef>
+                <a:spcPts val="0"/>
+              </a:spcBef>
+            </a:pPr>
             <a:r>
               <a:rPr lang="en-US" dirty="0" smtClean="0"/>
               <a:t>Where did my commit go?</a:t>
             </a:r>
           </a:p>
           <a:p>
-            <a:r>
-              <a:rPr lang="en-US" dirty="0" err="1" smtClean="0">
-                <a:latin typeface="Consolas" pitchFamily="49" charset="0"/>
-              </a:rPr>
-              <a:t>ls</a:t>
-            </a:r>
+            <a:pPr>
+              <a:spcBef>
+                <a:spcPts val="0"/>
+              </a:spcBef>
+            </a:pPr>
             <a:r>
               <a:rPr lang="en-US" dirty="0" smtClean="0">
                 <a:latin typeface="Consolas" pitchFamily="49" charset="0"/>
               </a:rPr>
-              <a:t> -r .</a:t>
+              <a:t>ls -r .</a:t>
             </a:r>
             <a:r>
               <a:rPr lang="en-US" dirty="0" err="1" smtClean="0">
@@ -37562,39 +39156,58 @@
             </a:r>
           </a:p>
           <a:p>
-            <a:pPr lvl="1"/>
+            <a:pPr lvl="1">
+              <a:spcBef>
+                <a:spcPts val="0"/>
+              </a:spcBef>
+            </a:pPr>
             <a:r>
               <a:rPr lang="en-US" dirty="0" smtClean="0"/>
               <a:t>HEAD, heads, remotes</a:t>
             </a:r>
-            <a:endParaRPr lang="en-US" sz="2600" dirty="0"/>
+            <a:endParaRPr lang="en-US" sz="2600" dirty="0" smtClean="0"/>
           </a:p>
           <a:p>
             <a:pPr>
               <a:buNone/>
             </a:pPr>
-            <a:endParaRPr lang="en-US" sz="1700" dirty="0">
+            <a:endParaRPr lang="en-US" sz="1700" dirty="0" smtClean="0">
               <a:latin typeface="Consolas" pitchFamily="49" charset="0"/>
             </a:endParaRPr>
           </a:p>
           <a:p>
             <a:pPr>
+              <a:spcBef>
+                <a:spcPts val="0"/>
+              </a:spcBef>
               <a:buNone/>
             </a:pPr>
             <a:r>
-              <a:rPr lang="en-US" sz="1700" dirty="0">
+              <a:rPr lang="en-US" sz="1700" dirty="0" smtClean="0">
                 <a:latin typeface="Consolas" pitchFamily="49" charset="0"/>
               </a:rPr>
-              <a:t>&gt; git </a:t>
-            </a:r>
-            <a:r>
-              <a:rPr lang="en-US" sz="1700" dirty="0" err="1">
+              <a:t>&gt; </a:t>
+            </a:r>
+            <a:r>
+              <a:rPr lang="en-US" sz="1700" dirty="0" err="1" smtClean="0">
+                <a:latin typeface="Consolas" pitchFamily="49" charset="0"/>
+              </a:rPr>
+              <a:t>git</a:t>
+            </a:r>
+            <a:r>
+              <a:rPr lang="en-US" sz="1700" dirty="0" smtClean="0">
+                <a:latin typeface="Consolas" pitchFamily="49" charset="0"/>
+              </a:rPr>
+              <a:t> </a:t>
+            </a:r>
+            <a:r>
+              <a:rPr lang="en-US" sz="1700" dirty="0" err="1" smtClean="0">
                 <a:latin typeface="Consolas" pitchFamily="49" charset="0"/>
               </a:rPr>
               <a:t>reflog</a:t>
             </a:r>
             <a:r>
-              <a:rPr lang="en-US" sz="1700" dirty="0">
+              <a:rPr lang="en-US" sz="1700" dirty="0" smtClean="0">
                 <a:latin typeface="Consolas" pitchFamily="49" charset="0"/>
               </a:rPr>
               <a:t> --all</a:t>
@@ -37602,10 +39215,13 @@
           </a:p>
           <a:p>
             <a:pPr>
+              <a:spcBef>
+                <a:spcPts val="0"/>
+              </a:spcBef>
               <a:buNone/>
             </a:pPr>
             <a:r>
-              <a:rPr lang="en-US" sz="1700" dirty="0">
+              <a:rPr lang="en-US" sz="1700" dirty="0" smtClean="0">
                 <a:latin typeface="Consolas" pitchFamily="49" charset="0"/>
               </a:rPr>
               <a:t>c66d5f9 refs/heads/dev2@{0}: branch: Created from origin/dev2</a:t>
@@ -37613,10 +39229,13 @@
           </a:p>
           <a:p>
             <a:pPr>
+              <a:spcBef>
+                <a:spcPts val="0"/>
+              </a:spcBef>
               <a:buNone/>
             </a:pPr>
             <a:r>
-              <a:rPr lang="en-US" sz="1700" dirty="0">
+              <a:rPr lang="en-US" sz="1700" dirty="0" smtClean="0">
                 <a:latin typeface="Consolas" pitchFamily="49" charset="0"/>
               </a:rPr>
               <a:t>1df4b7e refs/heads/master@{0}: push</a:t>
@@ -37624,10 +39243,13 @@
           </a:p>
           <a:p>
             <a:pPr>
+              <a:spcBef>
+                <a:spcPts val="0"/>
+              </a:spcBef>
               <a:buNone/>
             </a:pPr>
             <a:r>
-              <a:rPr lang="en-US" sz="1700" dirty="0">
+              <a:rPr lang="en-US" sz="1700" dirty="0" smtClean="0">
                 <a:latin typeface="Consolas" pitchFamily="49" charset="0"/>
               </a:rPr>
               <a:t>b6e3739 refs/remotes/origin/dev1@{0}: update by push</a:t>
@@ -37635,10 +39257,13 @@
           </a:p>
           <a:p>
             <a:pPr>
+              <a:spcBef>
+                <a:spcPts val="0"/>
+              </a:spcBef>
               <a:buNone/>
             </a:pPr>
             <a:r>
-              <a:rPr lang="en-US" sz="1700" dirty="0">
+              <a:rPr lang="en-US" sz="1700" dirty="0" smtClean="0">
                 <a:latin typeface="Consolas" pitchFamily="49" charset="0"/>
               </a:rPr>
               <a:t>2c2c892 refs/remotes/origin/dev1@{1}: fetch origin: forced-update</a:t>
@@ -37646,10 +39271,13 @@
           </a:p>
           <a:p>
             <a:pPr>
+              <a:spcBef>
+                <a:spcPts val="0"/>
+              </a:spcBef>
               <a:buNone/>
             </a:pPr>
             <a:r>
-              <a:rPr lang="en-US" sz="1700" dirty="0">
+              <a:rPr lang="en-US" sz="1700" dirty="0" smtClean="0">
                 <a:latin typeface="Consolas" pitchFamily="49" charset="0"/>
               </a:rPr>
               <a:t>69dcefd refs/remotes/origin/dev1@{2}: update by push</a:t>
@@ -37657,10 +39285,13 @@
           </a:p>
           <a:p>
             <a:pPr>
+              <a:spcBef>
+                <a:spcPts val="0"/>
+              </a:spcBef>
               <a:buNone/>
             </a:pPr>
             <a:r>
-              <a:rPr lang="en-US" sz="1700" dirty="0">
+              <a:rPr lang="en-US" sz="1700" dirty="0" smtClean="0">
                 <a:latin typeface="Consolas" pitchFamily="49" charset="0"/>
               </a:rPr>
               <a:t>954fa68 refs/remotes/origin/dev1@{3}: pull : fast-forward</a:t>
@@ -37668,10 +39299,13 @@
           </a:p>
           <a:p>
             <a:pPr>
+              <a:spcBef>
+                <a:spcPts val="0"/>
+              </a:spcBef>
               <a:buNone/>
             </a:pPr>
             <a:r>
-              <a:rPr lang="en-US" sz="1700" dirty="0">
+              <a:rPr lang="en-US" sz="1700" dirty="0" smtClean="0">
                 <a:latin typeface="Consolas" pitchFamily="49" charset="0"/>
               </a:rPr>
               <a:t>0234a69 refs/remotes/origin/dev1@{4}: pull origin: storing head</a:t>
@@ -37679,10 +39313,13 @@
           </a:p>
           <a:p>
             <a:pPr>
+              <a:spcBef>
+                <a:spcPts val="0"/>
+              </a:spcBef>
               <a:buNone/>
             </a:pPr>
             <a:r>
-              <a:rPr lang="en-US" sz="1700" dirty="0">
+              <a:rPr lang="en-US" sz="1700" dirty="0" smtClean="0">
                 <a:latin typeface="Consolas" pitchFamily="49" charset="0"/>
               </a:rPr>
               <a:t>8de4df0 refs/heads/master@{1}: pull origin: Fast-forward</a:t>
@@ -37690,10 +39327,13 @@
           </a:p>
           <a:p>
             <a:pPr>
+              <a:spcBef>
+                <a:spcPts val="0"/>
+              </a:spcBef>
               <a:buNone/>
             </a:pPr>
             <a:r>
-              <a:rPr lang="en-US" sz="1700" dirty="0">
+              <a:rPr lang="en-US" sz="1700" dirty="0" smtClean="0">
                 <a:latin typeface="Consolas" pitchFamily="49" charset="0"/>
               </a:rPr>
               <a:t>66e2e5f refs/heads/tiny74@{0}: commit: WIP</a:t>
@@ -37706,59 +39346,25 @@
       </p:sp>
       <p:sp>
         <p:nvSpPr>
-          <p:cNvPr id="4" name="Slide Number Placeholder 5"/>
+          <p:cNvPr id="5" name="Footer Placeholder 4"/>
           <p:cNvSpPr>
             <a:spLocks noGrp="1"/>
           </p:cNvSpPr>
           <p:nvPr>
-            <p:ph type="sldNum" sz="quarter" idx="4294967295"/>
+            <p:ph type="ftr" sz="quarter" idx="11"/>
           </p:nvPr>
         </p:nvSpPr>
-        <p:spPr>
-          <a:xfrm>
-            <a:off x="8077200" y="6476999"/>
-            <a:ext cx="2385060" cy="274320"/>
-          </a:xfrm>
-          <a:prstGeom prst="rect">
-            <a:avLst/>
-          </a:prstGeom>
-        </p:spPr>
-        <p:txBody>
-          <a:bodyPr vert="horz" bIns="0" rtlCol="0" anchor="b">
-            <a:normAutofit/>
-          </a:bodyPr>
-          <a:lstStyle>
-            <a:lvl1pPr algn="r" eaLnBrk="1" latinLnBrk="0" hangingPunct="1">
-              <a:defRPr kumimoji="0" sz="1200">
-                <a:solidFill>
-                  <a:schemeClr val="tx1">
-                    <a:tint val="95000"/>
-                  </a:schemeClr>
-                </a:solidFill>
-              </a:defRPr>
-            </a:lvl1pPr>
-            <a:extLst/>
-          </a:lstStyle>
+        <p:spPr/>
+        <p:txBody>
+          <a:bodyPr/>
+          <a:lstStyle/>
           <a:p>
             <a:pPr>
-              <a:buNone/>
               <a:defRPr/>
             </a:pPr>
             <a:r>
-              <a:rPr lang="en-US" dirty="0" smtClean="0"/>
-              <a:t>@</a:t>
-            </a:r>
-            <a:r>
-              <a:rPr lang="en-US" dirty="0" err="1" smtClean="0"/>
-              <a:t>dahlbyk</a:t>
-            </a:r>
-            <a:r>
-              <a:rPr lang="en-US" dirty="0" smtClean="0"/>
-              <a:t> #</a:t>
-            </a:r>
-            <a:r>
-              <a:rPr lang="en-US" dirty="0" err="1" smtClean="0"/>
-              <a:t>sflcc</a:t>
+              <a:rPr lang="en-US" smtClean="0"/>
+              <a:t>@dahlbyk #ThatConference</a:t>
             </a:r>
             <a:endParaRPr lang="en-US" dirty="0"/>
           </a:p>
@@ -38223,7 +39829,7 @@
 </p:sld>
 </file>
 
-<file path=ppt/slides/slide51.xml><?xml version="1.0" encoding="utf-8"?>
+<file path=ppt/slides/slide52.xml><?xml version="1.0" encoding="utf-8"?>
 <p:sld xmlns:a="http://schemas.openxmlformats.org/drawingml/2006/main" xmlns:r="http://schemas.openxmlformats.org/officeDocument/2006/relationships" xmlns:p="http://schemas.openxmlformats.org/presentationml/2006/main">
   <p:cSld>
     <p:spTree>
@@ -38242,6 +39848,111 @@
       </p:grpSpPr>
       <p:sp>
         <p:nvSpPr>
+          <p:cNvPr id="5" name="Title 4"/>
+          <p:cNvSpPr>
+            <a:spLocks noGrp="1"/>
+          </p:cNvSpPr>
+          <p:nvPr>
+            <p:ph type="title"/>
+          </p:nvPr>
+        </p:nvSpPr>
+        <p:spPr/>
+        <p:txBody>
+          <a:bodyPr/>
+          <a:lstStyle/>
+          <a:p>
+            <a:r>
+              <a:rPr lang="en-US" dirty="0" smtClean="0"/>
+              <a:t>Power Tools</a:t>
+            </a:r>
+            <a:endParaRPr lang="en-US" dirty="0"/>
+          </a:p>
+        </p:txBody>
+      </p:sp>
+      <p:sp>
+        <p:nvSpPr>
+          <p:cNvPr id="6" name="Text Placeholder 5"/>
+          <p:cNvSpPr>
+            <a:spLocks noGrp="1"/>
+          </p:cNvSpPr>
+          <p:nvPr>
+            <p:ph type="body" idx="1"/>
+          </p:nvPr>
+        </p:nvSpPr>
+        <p:spPr/>
+        <p:txBody>
+          <a:bodyPr/>
+          <a:lstStyle/>
+          <a:p>
+            <a:endParaRPr lang="en-US"/>
+          </a:p>
+        </p:txBody>
+      </p:sp>
+      <p:sp>
+        <p:nvSpPr>
+          <p:cNvPr id="4" name="Footer Placeholder 3"/>
+          <p:cNvSpPr>
+            <a:spLocks noGrp="1"/>
+          </p:cNvSpPr>
+          <p:nvPr>
+            <p:ph type="ftr" sz="quarter" idx="11"/>
+          </p:nvPr>
+        </p:nvSpPr>
+        <p:spPr/>
+        <p:txBody>
+          <a:bodyPr/>
+          <a:lstStyle/>
+          <a:p>
+            <a:pPr>
+              <a:defRPr/>
+            </a:pPr>
+            <a:r>
+              <a:rPr lang="en-US" smtClean="0"/>
+              <a:t>@dahlbyk #ThatConference</a:t>
+            </a:r>
+            <a:endParaRPr lang="en-US" dirty="0"/>
+          </a:p>
+        </p:txBody>
+      </p:sp>
+    </p:spTree>
+    <p:extLst>
+      <p:ext uri="{BB962C8B-B14F-4D97-AF65-F5344CB8AC3E}">
+        <p14:creationId xmlns:p14="http://schemas.microsoft.com/office/powerpoint/2010/main" val="3414799201"/>
+      </p:ext>
+    </p:extLst>
+  </p:cSld>
+  <p:clrMapOvr>
+    <a:masterClrMapping/>
+  </p:clrMapOvr>
+  <p:timing>
+    <p:tnLst>
+      <p:par>
+        <p:cTn id="1" dur="indefinite" restart="never" nodeType="tmRoot"/>
+      </p:par>
+    </p:tnLst>
+  </p:timing>
+</p:sld>
+</file>
+
+<file path=ppt/slides/slide53.xml><?xml version="1.0" encoding="utf-8"?>
+<p:sld xmlns:a="http://schemas.openxmlformats.org/drawingml/2006/main" xmlns:r="http://schemas.openxmlformats.org/officeDocument/2006/relationships" xmlns:p="http://schemas.openxmlformats.org/presentationml/2006/main">
+  <p:cSld>
+    <p:spTree>
+      <p:nvGrpSpPr>
+        <p:cNvPr id="1" name=""/>
+        <p:cNvGrpSpPr/>
+        <p:nvPr/>
+      </p:nvGrpSpPr>
+      <p:grpSpPr>
+        <a:xfrm>
+          <a:off x="0" y="0"/>
+          <a:ext cx="0" cy="0"/>
+          <a:chOff x="0" y="0"/>
+          <a:chExt cx="0" cy="0"/>
+        </a:xfrm>
+      </p:grpSpPr>
+      <p:sp>
+        <p:nvSpPr>
           <p:cNvPr id="2" name="Title 1"/>
           <p:cNvSpPr>
             <a:spLocks noGrp="1"/>
@@ -38256,10 +39967,14 @@
           <a:lstStyle/>
           <a:p>
             <a:r>
-              <a:rPr lang="en-US" dirty="0" smtClean="0"/>
+              <a:rPr lang="en-US" dirty="0" smtClean="0">
+                <a:latin typeface="Consolas" panose="020B0609020204030204" pitchFamily="49" charset="0"/>
+              </a:rPr>
               <a:t>git bisect</a:t>
             </a:r>
-            <a:endParaRPr lang="en-US" dirty="0"/>
+            <a:endParaRPr lang="en-US" dirty="0">
+              <a:latin typeface="Consolas" panose="020B0609020204030204" pitchFamily="49" charset="0"/>
+            </a:endParaRPr>
           </a:p>
         </p:txBody>
       </p:sp>
@@ -38275,8 +39990,8 @@
         </p:nvSpPr>
         <p:spPr>
           <a:xfrm>
-            <a:off x="1981200" y="1752602"/>
-            <a:ext cx="8229600" cy="4625609"/>
+            <a:off x="1981200" y="1998921"/>
+            <a:ext cx="8229600" cy="4379290"/>
           </a:xfrm>
         </p:spPr>
         <p:txBody>
@@ -38285,11 +40000,13 @@
           <a:p>
             <a:r>
               <a:rPr lang="en-US" dirty="0" smtClean="0"/>
-              <a:t>Binary search through commit space</a:t>
-            </a:r>
-          </a:p>
-          <a:p>
-            <a:endParaRPr lang="en-US" dirty="0"/>
+              <a:t>Binary search through commit </a:t>
+            </a:r>
+            <a:r>
+              <a:rPr lang="en-US" dirty="0" smtClean="0"/>
+              <a:t>space</a:t>
+            </a:r>
+            <a:endParaRPr lang="en-US" dirty="0" smtClean="0"/>
           </a:p>
         </p:txBody>
       </p:sp>
@@ -38620,10 +40337,10 @@
           <a:p>
             <a:pPr algn="ctr"/>
             <a:r>
-              <a:rPr lang="en-US" dirty="0"/>
+              <a:rPr lang="en-US" sz="1400" dirty="0"/>
               <a:t>Good</a:t>
             </a:r>
-            <a:endParaRPr lang="en-US" dirty="0"/>
+            <a:endParaRPr lang="en-US" sz="1400" dirty="0"/>
           </a:p>
         </p:txBody>
       </p:sp>
@@ -38667,10 +40384,10 @@
           <a:p>
             <a:pPr algn="ctr"/>
             <a:r>
-              <a:rPr lang="en-US" dirty="0"/>
+              <a:rPr lang="en-US" sz="1400" dirty="0"/>
               <a:t>Bad</a:t>
             </a:r>
-            <a:endParaRPr lang="en-US" dirty="0"/>
+            <a:endParaRPr lang="en-US" sz="1400" dirty="0"/>
           </a:p>
         </p:txBody>
       </p:sp>
@@ -38714,10 +40431,10 @@
           <a:p>
             <a:pPr algn="ctr"/>
             <a:r>
-              <a:rPr lang="en-US" dirty="0"/>
+              <a:rPr lang="en-US" sz="1400" dirty="0"/>
               <a:t>Good/Bad?</a:t>
             </a:r>
-            <a:endParaRPr lang="en-US" dirty="0"/>
+            <a:endParaRPr lang="en-US" sz="1400" dirty="0"/>
           </a:p>
         </p:txBody>
       </p:sp>
@@ -38761,10 +40478,10 @@
           <a:p>
             <a:pPr algn="ctr"/>
             <a:r>
-              <a:rPr lang="en-US" dirty="0"/>
+              <a:rPr lang="en-US" sz="1400" dirty="0"/>
               <a:t>Good</a:t>
             </a:r>
-            <a:endParaRPr lang="en-US" dirty="0"/>
+            <a:endParaRPr lang="en-US" sz="1400" dirty="0"/>
           </a:p>
         </p:txBody>
       </p:sp>
@@ -38808,10 +40525,10 @@
           <a:p>
             <a:pPr algn="ctr"/>
             <a:r>
-              <a:rPr lang="en-US" dirty="0"/>
+              <a:rPr lang="en-US" sz="1400" dirty="0"/>
               <a:t>Bad</a:t>
             </a:r>
-            <a:endParaRPr lang="en-US" dirty="0"/>
+            <a:endParaRPr lang="en-US" sz="1400" dirty="0"/>
           </a:p>
         </p:txBody>
       </p:sp>
@@ -38855,10 +40572,10 @@
           <a:p>
             <a:pPr algn="ctr"/>
             <a:r>
-              <a:rPr lang="en-US" dirty="0"/>
+              <a:rPr lang="en-US" sz="1400" dirty="0"/>
               <a:t>Good/Bad?</a:t>
             </a:r>
-            <a:endParaRPr lang="en-US" dirty="0"/>
+            <a:endParaRPr lang="en-US" sz="1400" dirty="0"/>
           </a:p>
         </p:txBody>
       </p:sp>
@@ -38902,10 +40619,10 @@
           <a:p>
             <a:pPr algn="ctr"/>
             <a:r>
-              <a:rPr lang="en-US" dirty="0"/>
+              <a:rPr lang="en-US" sz="1400" dirty="0"/>
               <a:t>Good</a:t>
             </a:r>
-            <a:endParaRPr lang="en-US" dirty="0"/>
+            <a:endParaRPr lang="en-US" sz="1400" dirty="0"/>
           </a:p>
         </p:txBody>
       </p:sp>
@@ -38949,10 +40666,10 @@
           <a:p>
             <a:pPr algn="ctr"/>
             <a:r>
-              <a:rPr lang="en-US" dirty="0"/>
+              <a:rPr lang="en-US" sz="1400" dirty="0"/>
               <a:t>Good/Bad?</a:t>
             </a:r>
-            <a:endParaRPr lang="en-US" dirty="0"/>
+            <a:endParaRPr lang="en-US" sz="1400" dirty="0"/>
           </a:p>
         </p:txBody>
       </p:sp>
@@ -39857,10 +41574,10 @@
           <a:p>
             <a:pPr algn="ctr"/>
             <a:r>
-              <a:rPr lang="en-US" dirty="0"/>
+              <a:rPr lang="en-US" sz="1400" dirty="0"/>
               <a:t>Good</a:t>
             </a:r>
-            <a:endParaRPr lang="en-US" dirty="0"/>
+            <a:endParaRPr lang="en-US" sz="1400" dirty="0"/>
           </a:p>
         </p:txBody>
       </p:sp>
@@ -39904,10 +41621,10 @@
           <a:p>
             <a:pPr algn="ctr"/>
             <a:r>
-              <a:rPr lang="en-US" dirty="0"/>
+              <a:rPr lang="en-US" sz="1400" dirty="0"/>
               <a:t>Bad</a:t>
             </a:r>
-            <a:endParaRPr lang="en-US" dirty="0"/>
+            <a:endParaRPr lang="en-US" sz="1400" dirty="0"/>
           </a:p>
         </p:txBody>
       </p:sp>
@@ -39951,68 +41668,34 @@
           <a:p>
             <a:pPr algn="ctr"/>
             <a:r>
-              <a:rPr lang="en-US" dirty="0"/>
+              <a:rPr lang="en-US" sz="1400" dirty="0"/>
               <a:t>Oldest Bad!</a:t>
             </a:r>
-            <a:endParaRPr lang="en-US" dirty="0"/>
-          </a:p>
-        </p:txBody>
-      </p:sp>
-      <p:sp>
-        <p:nvSpPr>
-          <p:cNvPr id="51" name="Slide Number Placeholder 5"/>
+            <a:endParaRPr lang="en-US" sz="1400" dirty="0"/>
+          </a:p>
+        </p:txBody>
+      </p:sp>
+      <p:sp>
+        <p:nvSpPr>
+          <p:cNvPr id="4" name="Footer Placeholder 3"/>
           <p:cNvSpPr>
             <a:spLocks noGrp="1"/>
           </p:cNvSpPr>
           <p:nvPr>
-            <p:ph type="sldNum" sz="quarter" idx="4294967295"/>
+            <p:ph type="ftr" sz="quarter" idx="11"/>
           </p:nvPr>
         </p:nvSpPr>
-        <p:spPr>
-          <a:xfrm>
-            <a:off x="8077200" y="6476999"/>
-            <a:ext cx="2385060" cy="274320"/>
-          </a:xfrm>
-          <a:prstGeom prst="rect">
-            <a:avLst/>
-          </a:prstGeom>
-        </p:spPr>
-        <p:txBody>
-          <a:bodyPr vert="horz" bIns="0" rtlCol="0" anchor="b">
-            <a:normAutofit/>
-          </a:bodyPr>
-          <a:lstStyle>
-            <a:lvl1pPr algn="r" eaLnBrk="1" latinLnBrk="0" hangingPunct="1">
-              <a:defRPr kumimoji="0" sz="1200">
-                <a:solidFill>
-                  <a:schemeClr val="tx1">
-                    <a:tint val="95000"/>
-                  </a:schemeClr>
-                </a:solidFill>
-              </a:defRPr>
-            </a:lvl1pPr>
-            <a:extLst/>
-          </a:lstStyle>
+        <p:spPr/>
+        <p:txBody>
+          <a:bodyPr/>
+          <a:lstStyle/>
           <a:p>
             <a:pPr>
-              <a:buNone/>
               <a:defRPr/>
             </a:pPr>
             <a:r>
-              <a:rPr lang="en-US" dirty="0" smtClean="0"/>
-              <a:t>@</a:t>
-            </a:r>
-            <a:r>
-              <a:rPr lang="en-US" dirty="0" err="1" smtClean="0"/>
-              <a:t>dahlbyk</a:t>
-            </a:r>
-            <a:r>
-              <a:rPr lang="en-US" dirty="0" smtClean="0"/>
-              <a:t> #</a:t>
-            </a:r>
-            <a:r>
-              <a:rPr lang="en-US" dirty="0" err="1" smtClean="0"/>
-              <a:t>sflcc</a:t>
+              <a:rPr lang="en-US" smtClean="0"/>
+              <a:t>@dahlbyk #ThatConference</a:t>
             </a:r>
             <a:endParaRPr lang="en-US" dirty="0"/>
           </a:p>
@@ -40631,7 +42314,7 @@
 </p:sld>
 </file>
 
-<file path=ppt/slides/slide52.xml><?xml version="1.0" encoding="utf-8"?>
+<file path=ppt/slides/slide54.xml><?xml version="1.0" encoding="utf-8"?>
 <p:sld xmlns:a="http://schemas.openxmlformats.org/drawingml/2006/main" xmlns:r="http://schemas.openxmlformats.org/officeDocument/2006/relationships" xmlns:p="http://schemas.openxmlformats.org/presentationml/2006/main">
   <p:cSld>
     <p:spTree>
@@ -40830,59 +42513,25 @@
       </p:sp>
       <p:sp>
         <p:nvSpPr>
-          <p:cNvPr id="4" name="Slide Number Placeholder 5"/>
+          <p:cNvPr id="5" name="Footer Placeholder 4"/>
           <p:cNvSpPr>
             <a:spLocks noGrp="1"/>
           </p:cNvSpPr>
           <p:nvPr>
-            <p:ph type="sldNum" sz="quarter" idx="4294967295"/>
+            <p:ph type="ftr" sz="quarter" idx="11"/>
           </p:nvPr>
         </p:nvSpPr>
-        <p:spPr>
-          <a:xfrm>
-            <a:off x="8077200" y="6476999"/>
-            <a:ext cx="2385060" cy="274320"/>
-          </a:xfrm>
-          <a:prstGeom prst="rect">
-            <a:avLst/>
-          </a:prstGeom>
-        </p:spPr>
-        <p:txBody>
-          <a:bodyPr vert="horz" bIns="0" rtlCol="0" anchor="b">
-            <a:normAutofit/>
-          </a:bodyPr>
-          <a:lstStyle>
-            <a:lvl1pPr algn="r" eaLnBrk="1" latinLnBrk="0" hangingPunct="1">
-              <a:defRPr kumimoji="0" sz="1200">
-                <a:solidFill>
-                  <a:schemeClr val="tx1">
-                    <a:tint val="95000"/>
-                  </a:schemeClr>
-                </a:solidFill>
-              </a:defRPr>
-            </a:lvl1pPr>
-            <a:extLst/>
-          </a:lstStyle>
+        <p:spPr/>
+        <p:txBody>
+          <a:bodyPr/>
+          <a:lstStyle/>
           <a:p>
             <a:pPr>
-              <a:buNone/>
               <a:defRPr/>
             </a:pPr>
             <a:r>
-              <a:rPr lang="en-US" dirty="0" smtClean="0"/>
-              <a:t>@</a:t>
-            </a:r>
-            <a:r>
-              <a:rPr lang="en-US" dirty="0" err="1" smtClean="0"/>
-              <a:t>dahlbyk</a:t>
-            </a:r>
-            <a:r>
-              <a:rPr lang="en-US" dirty="0" smtClean="0"/>
-              <a:t> #</a:t>
-            </a:r>
-            <a:r>
-              <a:rPr lang="en-US" dirty="0" err="1" smtClean="0"/>
-              <a:t>sflcc</a:t>
+              <a:rPr lang="en-US" smtClean="0"/>
+              <a:t>@dahlbyk #ThatConference</a:t>
             </a:r>
             <a:endParaRPr lang="en-US" dirty="0"/>
           </a:p>
@@ -40916,7 +42565,7 @@
 </p:sld>
 </file>
 
-<file path=ppt/slides/slide53.xml><?xml version="1.0" encoding="utf-8"?>
+<file path=ppt/slides/slide55.xml><?xml version="1.0" encoding="utf-8"?>
 <p:sld xmlns:a="http://schemas.openxmlformats.org/drawingml/2006/main" xmlns:r="http://schemas.openxmlformats.org/officeDocument/2006/relationships" xmlns:p="http://schemas.openxmlformats.org/presentationml/2006/main">
   <p:cSld>
     <p:spTree>
@@ -41052,59 +42701,25 @@
       </p:sp>
       <p:sp>
         <p:nvSpPr>
-          <p:cNvPr id="4" name="Slide Number Placeholder 5"/>
+          <p:cNvPr id="5" name="Footer Placeholder 4"/>
           <p:cNvSpPr>
             <a:spLocks noGrp="1"/>
           </p:cNvSpPr>
           <p:nvPr>
-            <p:ph type="sldNum" sz="quarter" idx="4294967295"/>
+            <p:ph type="ftr" sz="quarter" idx="11"/>
           </p:nvPr>
         </p:nvSpPr>
-        <p:spPr>
-          <a:xfrm>
-            <a:off x="8077200" y="6476999"/>
-            <a:ext cx="2385060" cy="274320"/>
-          </a:xfrm>
-          <a:prstGeom prst="rect">
-            <a:avLst/>
-          </a:prstGeom>
-        </p:spPr>
-        <p:txBody>
-          <a:bodyPr vert="horz" bIns="0" rtlCol="0" anchor="b">
-            <a:normAutofit/>
-          </a:bodyPr>
-          <a:lstStyle>
-            <a:lvl1pPr algn="r" eaLnBrk="1" latinLnBrk="0" hangingPunct="1">
-              <a:defRPr kumimoji="0" sz="1200">
-                <a:solidFill>
-                  <a:schemeClr val="tx1">
-                    <a:tint val="95000"/>
-                  </a:schemeClr>
-                </a:solidFill>
-              </a:defRPr>
-            </a:lvl1pPr>
-            <a:extLst/>
-          </a:lstStyle>
+        <p:spPr/>
+        <p:txBody>
+          <a:bodyPr/>
+          <a:lstStyle/>
           <a:p>
             <a:pPr>
-              <a:buNone/>
               <a:defRPr/>
             </a:pPr>
             <a:r>
-              <a:rPr lang="en-US" dirty="0" smtClean="0"/>
-              <a:t>@</a:t>
-            </a:r>
-            <a:r>
-              <a:rPr lang="en-US" dirty="0" err="1" smtClean="0"/>
-              <a:t>dahlbyk</a:t>
-            </a:r>
-            <a:r>
-              <a:rPr lang="en-US" dirty="0" smtClean="0"/>
-              <a:t> #</a:t>
-            </a:r>
-            <a:r>
-              <a:rPr lang="en-US" dirty="0" err="1" smtClean="0"/>
-              <a:t>sflcc</a:t>
+              <a:rPr lang="en-US" smtClean="0"/>
+              <a:t>@dahlbyk #ThatConference</a:t>
             </a:r>
             <a:endParaRPr lang="en-US" dirty="0"/>
           </a:p>
@@ -41138,7 +42753,895 @@
 </p:sld>
 </file>
 
-<file path=ppt/slides/slide54.xml><?xml version="1.0" encoding="utf-8"?>
+<file path=ppt/slides/slide56.xml><?xml version="1.0" encoding="utf-8"?>
+<p:sld xmlns:a="http://schemas.openxmlformats.org/drawingml/2006/main" xmlns:r="http://schemas.openxmlformats.org/officeDocument/2006/relationships" xmlns:p="http://schemas.openxmlformats.org/presentationml/2006/main">
+  <p:cSld>
+    <p:spTree>
+      <p:nvGrpSpPr>
+        <p:cNvPr id="1" name=""/>
+        <p:cNvGrpSpPr/>
+        <p:nvPr/>
+      </p:nvGrpSpPr>
+      <p:grpSpPr>
+        <a:xfrm>
+          <a:off x="0" y="0"/>
+          <a:ext cx="0" cy="0"/>
+          <a:chOff x="0" y="0"/>
+          <a:chExt cx="0" cy="0"/>
+        </a:xfrm>
+      </p:grpSpPr>
+      <p:sp>
+        <p:nvSpPr>
+          <p:cNvPr id="2" name="Title 1"/>
+          <p:cNvSpPr>
+            <a:spLocks noGrp="1"/>
+          </p:cNvSpPr>
+          <p:nvPr>
+            <p:ph type="title"/>
+          </p:nvPr>
+        </p:nvSpPr>
+        <p:spPr/>
+        <p:txBody>
+          <a:bodyPr/>
+          <a:lstStyle/>
+          <a:p>
+            <a:r>
+              <a:rPr lang="en-US" smtClean="0"/>
+              <a:t>git filter-branch</a:t>
+            </a:r>
+            <a:endParaRPr lang="en-US" dirty="0"/>
+          </a:p>
+        </p:txBody>
+      </p:sp>
+      <p:sp>
+        <p:nvSpPr>
+          <p:cNvPr id="5" name="Rectangle 1"/>
+          <p:cNvSpPr>
+            <a:spLocks noGrp="1" noChangeArrowheads="1"/>
+          </p:cNvSpPr>
+          <p:nvPr>
+            <p:ph idx="1"/>
+          </p:nvPr>
+        </p:nvSpPr>
+        <p:spPr/>
+        <p:txBody>
+          <a:bodyPr/>
+          <a:lstStyle/>
+          <a:p>
+            <a:pPr marL="0" lvl="0" indent="0">
+              <a:buNone/>
+            </a:pPr>
+            <a:r>
+              <a:rPr lang="en-US" altLang="en-US" dirty="0" err="1" smtClean="0">
+                <a:latin typeface="Consolas" panose="020B0609020204030204" pitchFamily="49" charset="0"/>
+              </a:rPr>
+              <a:t>git</a:t>
+            </a:r>
+            <a:r>
+              <a:rPr lang="en-US" altLang="en-US" dirty="0" smtClean="0">
+                <a:latin typeface="Consolas" panose="020B0609020204030204" pitchFamily="49" charset="0"/>
+              </a:rPr>
+              <a:t> filter-branch \</a:t>
+            </a:r>
+          </a:p>
+          <a:p>
+            <a:pPr marL="0" lvl="0" indent="0">
+              <a:buNone/>
+            </a:pPr>
+            <a:r>
+              <a:rPr lang="en-US" altLang="en-US" dirty="0">
+                <a:latin typeface="Consolas" panose="020B0609020204030204" pitchFamily="49" charset="0"/>
+              </a:rPr>
+              <a:t> </a:t>
+            </a:r>
+            <a:r>
+              <a:rPr lang="en-US" altLang="en-US" dirty="0" smtClean="0">
+                <a:latin typeface="Consolas" panose="020B0609020204030204" pitchFamily="49" charset="0"/>
+              </a:rPr>
+              <a:t> --index-filter \</a:t>
+            </a:r>
+            <a:r>
+              <a:rPr lang="en-US" altLang="en-US" dirty="0">
+                <a:latin typeface="Consolas" panose="020B0609020204030204" pitchFamily="49" charset="0"/>
+              </a:rPr>
+              <a:t/>
+            </a:r>
+            <a:br>
+              <a:rPr lang="en-US" altLang="en-US" dirty="0">
+                <a:latin typeface="Consolas" panose="020B0609020204030204" pitchFamily="49" charset="0"/>
+              </a:rPr>
+            </a:br>
+            <a:r>
+              <a:rPr lang="en-US" altLang="en-US" dirty="0" smtClean="0">
+                <a:latin typeface="Consolas" panose="020B0609020204030204" pitchFamily="49" charset="0"/>
+              </a:rPr>
+              <a:t>    '</a:t>
+            </a:r>
+            <a:r>
+              <a:rPr lang="en-US" altLang="en-US" dirty="0" err="1" smtClean="0">
+                <a:latin typeface="Consolas" panose="020B0609020204030204" pitchFamily="49" charset="0"/>
+              </a:rPr>
+              <a:t>git</a:t>
+            </a:r>
+            <a:r>
+              <a:rPr lang="en-US" altLang="en-US" dirty="0" smtClean="0">
+                <a:latin typeface="Consolas" panose="020B0609020204030204" pitchFamily="49" charset="0"/>
+              </a:rPr>
+              <a:t> </a:t>
+            </a:r>
+            <a:r>
+              <a:rPr lang="en-US" altLang="en-US" dirty="0" err="1" smtClean="0">
+                <a:latin typeface="Consolas" panose="020B0609020204030204" pitchFamily="49" charset="0"/>
+              </a:rPr>
+              <a:t>rm</a:t>
+            </a:r>
+            <a:r>
+              <a:rPr lang="en-US" altLang="en-US" dirty="0" smtClean="0">
+                <a:latin typeface="Consolas" panose="020B0609020204030204" pitchFamily="49" charset="0"/>
+              </a:rPr>
+              <a:t> --cached --ignore-</a:t>
+            </a:r>
+            <a:r>
+              <a:rPr lang="en-US" altLang="en-US" dirty="0" err="1" smtClean="0">
+                <a:latin typeface="Consolas" panose="020B0609020204030204" pitchFamily="49" charset="0"/>
+              </a:rPr>
+              <a:t>unmatch</a:t>
+            </a:r>
+            <a:r>
+              <a:rPr lang="en-US" altLang="en-US" dirty="0" smtClean="0">
+                <a:latin typeface="Consolas" panose="020B0609020204030204" pitchFamily="49" charset="0"/>
+              </a:rPr>
+              <a:t> </a:t>
+            </a:r>
+            <a:r>
+              <a:rPr lang="en-US" altLang="en-US" dirty="0" err="1" smtClean="0">
+                <a:latin typeface="Consolas" panose="020B0609020204030204" pitchFamily="49" charset="0"/>
+              </a:rPr>
+              <a:t>secret.config</a:t>
+            </a:r>
+            <a:r>
+              <a:rPr lang="en-US" altLang="en-US" dirty="0" smtClean="0">
+                <a:latin typeface="Consolas" panose="020B0609020204030204" pitchFamily="49" charset="0"/>
+              </a:rPr>
+              <a:t>' \</a:t>
+            </a:r>
+            <a:br>
+              <a:rPr lang="en-US" altLang="en-US" dirty="0" smtClean="0">
+                <a:latin typeface="Consolas" panose="020B0609020204030204" pitchFamily="49" charset="0"/>
+              </a:rPr>
+            </a:br>
+            <a:r>
+              <a:rPr lang="en-US" altLang="en-US" dirty="0" smtClean="0">
+                <a:latin typeface="Consolas" panose="020B0609020204030204" pitchFamily="49" charset="0"/>
+              </a:rPr>
+              <a:t>  -- --all</a:t>
+            </a:r>
+          </a:p>
+        </p:txBody>
+      </p:sp>
+      <p:sp>
+        <p:nvSpPr>
+          <p:cNvPr id="4" name="Footer Placeholder 3"/>
+          <p:cNvSpPr>
+            <a:spLocks noGrp="1"/>
+          </p:cNvSpPr>
+          <p:nvPr>
+            <p:ph type="ftr" sz="quarter" idx="11"/>
+          </p:nvPr>
+        </p:nvSpPr>
+        <p:spPr/>
+        <p:txBody>
+          <a:bodyPr/>
+          <a:lstStyle/>
+          <a:p>
+            <a:r>
+              <a:rPr lang="en-US" smtClean="0"/>
+              <a:t>@dahlbyk #ThatConference</a:t>
+            </a:r>
+            <a:endParaRPr lang="en-US" dirty="0"/>
+          </a:p>
+        </p:txBody>
+      </p:sp>
+    </p:spTree>
+    <p:extLst>
+      <p:ext uri="{BB962C8B-B14F-4D97-AF65-F5344CB8AC3E}">
+        <p14:creationId xmlns:p14="http://schemas.microsoft.com/office/powerpoint/2010/main" val="2569747153"/>
+      </p:ext>
+    </p:extLst>
+  </p:cSld>
+  <p:clrMapOvr>
+    <a:masterClrMapping/>
+  </p:clrMapOvr>
+  <p:timing>
+    <p:tnLst>
+      <p:par>
+        <p:cTn id="1" dur="indefinite" restart="never" nodeType="tmRoot"/>
+      </p:par>
+    </p:tnLst>
+  </p:timing>
+</p:sld>
+</file>
+
+<file path=ppt/slides/slide57.xml><?xml version="1.0" encoding="utf-8"?>
+<p:sld xmlns:a="http://schemas.openxmlformats.org/drawingml/2006/main" xmlns:r="http://schemas.openxmlformats.org/officeDocument/2006/relationships" xmlns:p="http://schemas.openxmlformats.org/presentationml/2006/main">
+  <p:cSld>
+    <p:spTree>
+      <p:nvGrpSpPr>
+        <p:cNvPr id="1" name=""/>
+        <p:cNvGrpSpPr/>
+        <p:nvPr/>
+      </p:nvGrpSpPr>
+      <p:grpSpPr>
+        <a:xfrm>
+          <a:off x="0" y="0"/>
+          <a:ext cx="0" cy="0"/>
+          <a:chOff x="0" y="0"/>
+          <a:chExt cx="0" cy="0"/>
+        </a:xfrm>
+      </p:grpSpPr>
+      <p:sp>
+        <p:nvSpPr>
+          <p:cNvPr id="2" name="Title 1"/>
+          <p:cNvSpPr>
+            <a:spLocks noGrp="1"/>
+          </p:cNvSpPr>
+          <p:nvPr>
+            <p:ph type="title"/>
+          </p:nvPr>
+        </p:nvSpPr>
+        <p:spPr/>
+        <p:txBody>
+          <a:bodyPr/>
+          <a:lstStyle/>
+          <a:p>
+            <a:r>
+              <a:rPr lang="en-US" dirty="0" err="1" smtClean="0">
+                <a:latin typeface="Consolas" panose="020B0609020204030204" pitchFamily="49" charset="0"/>
+              </a:rPr>
+              <a:t>git</a:t>
+            </a:r>
+            <a:r>
+              <a:rPr lang="en-US" dirty="0" smtClean="0">
+                <a:latin typeface="Consolas" panose="020B0609020204030204" pitchFamily="49" charset="0"/>
+              </a:rPr>
+              <a:t> filter-branch</a:t>
+            </a:r>
+            <a:endParaRPr lang="en-US" dirty="0">
+              <a:latin typeface="Consolas" panose="020B0609020204030204" pitchFamily="49" charset="0"/>
+            </a:endParaRPr>
+          </a:p>
+        </p:txBody>
+      </p:sp>
+      <p:sp>
+        <p:nvSpPr>
+          <p:cNvPr id="3" name="Content Placeholder 2"/>
+          <p:cNvSpPr>
+            <a:spLocks noGrp="1"/>
+          </p:cNvSpPr>
+          <p:nvPr>
+            <p:ph idx="1"/>
+          </p:nvPr>
+        </p:nvSpPr>
+        <p:spPr/>
+        <p:txBody>
+          <a:bodyPr/>
+          <a:lstStyle/>
+          <a:p>
+            <a:r>
+              <a:rPr lang="en-US" dirty="0" smtClean="0"/>
+              <a:t>--</a:t>
+            </a:r>
+            <a:r>
+              <a:rPr lang="en-US" dirty="0" err="1" smtClean="0"/>
+              <a:t>env</a:t>
+            </a:r>
+            <a:r>
+              <a:rPr lang="en-US" dirty="0" smtClean="0"/>
+              <a:t>-filter</a:t>
+            </a:r>
+          </a:p>
+          <a:p>
+            <a:r>
+              <a:rPr lang="en-US" dirty="0" smtClean="0"/>
+              <a:t>--tree-filter</a:t>
+            </a:r>
+          </a:p>
+          <a:p>
+            <a:r>
+              <a:rPr lang="en-US" dirty="0" smtClean="0"/>
+              <a:t>--index-filter</a:t>
+            </a:r>
+          </a:p>
+          <a:p>
+            <a:r>
+              <a:rPr lang="en-US" dirty="0" smtClean="0"/>
+              <a:t>--parent-filter</a:t>
+            </a:r>
+          </a:p>
+          <a:p>
+            <a:r>
+              <a:rPr lang="en-US" dirty="0" smtClean="0"/>
+              <a:t>--subdirectory-filter</a:t>
+            </a:r>
+          </a:p>
+          <a:p>
+            <a:r>
+              <a:rPr lang="en-US" dirty="0" smtClean="0"/>
+              <a:t>--prune-empty</a:t>
+            </a:r>
+            <a:endParaRPr lang="en-US" dirty="0"/>
+          </a:p>
+        </p:txBody>
+      </p:sp>
+      <p:sp>
+        <p:nvSpPr>
+          <p:cNvPr id="4" name="Footer Placeholder 3"/>
+          <p:cNvSpPr>
+            <a:spLocks noGrp="1"/>
+          </p:cNvSpPr>
+          <p:nvPr>
+            <p:ph type="ftr" sz="quarter" idx="11"/>
+          </p:nvPr>
+        </p:nvSpPr>
+        <p:spPr/>
+        <p:txBody>
+          <a:bodyPr/>
+          <a:lstStyle/>
+          <a:p>
+            <a:pPr>
+              <a:defRPr/>
+            </a:pPr>
+            <a:r>
+              <a:rPr lang="en-US" smtClean="0"/>
+              <a:t>@dahlbyk #ThatConference</a:t>
+            </a:r>
+            <a:endParaRPr lang="en-US" dirty="0"/>
+          </a:p>
+        </p:txBody>
+      </p:sp>
+    </p:spTree>
+    <p:extLst>
+      <p:ext uri="{BB962C8B-B14F-4D97-AF65-F5344CB8AC3E}">
+        <p14:creationId xmlns:p14="http://schemas.microsoft.com/office/powerpoint/2010/main" val="838248095"/>
+      </p:ext>
+    </p:extLst>
+  </p:cSld>
+  <p:clrMapOvr>
+    <a:masterClrMapping/>
+  </p:clrMapOvr>
+  <p:timing>
+    <p:tnLst>
+      <p:par>
+        <p:cTn id="1" dur="indefinite" restart="never" nodeType="tmRoot"/>
+      </p:par>
+    </p:tnLst>
+  </p:timing>
+</p:sld>
+</file>
+
+<file path=ppt/slides/slide58.xml><?xml version="1.0" encoding="utf-8"?>
+<p:sld xmlns:a="http://schemas.openxmlformats.org/drawingml/2006/main" xmlns:r="http://schemas.openxmlformats.org/officeDocument/2006/relationships" xmlns:p="http://schemas.openxmlformats.org/presentationml/2006/main">
+  <p:cSld>
+    <p:spTree>
+      <p:nvGrpSpPr>
+        <p:cNvPr id="1" name=""/>
+        <p:cNvGrpSpPr/>
+        <p:nvPr/>
+      </p:nvGrpSpPr>
+      <p:grpSpPr>
+        <a:xfrm>
+          <a:off x="0" y="0"/>
+          <a:ext cx="0" cy="0"/>
+          <a:chOff x="0" y="0"/>
+          <a:chExt cx="0" cy="0"/>
+        </a:xfrm>
+      </p:grpSpPr>
+      <p:sp>
+        <p:nvSpPr>
+          <p:cNvPr id="2" name="Title 1"/>
+          <p:cNvSpPr>
+            <a:spLocks noGrp="1"/>
+          </p:cNvSpPr>
+          <p:nvPr>
+            <p:ph type="title"/>
+          </p:nvPr>
+        </p:nvSpPr>
+        <p:spPr/>
+        <p:txBody>
+          <a:bodyPr/>
+          <a:lstStyle/>
+          <a:p>
+            <a:r>
+              <a:rPr lang="en-US" dirty="0" smtClean="0"/>
+              <a:t>Understanding </a:t>
+            </a:r>
+            <a:r>
+              <a:rPr lang="en-US" dirty="0" err="1" smtClean="0"/>
+              <a:t>Git</a:t>
+            </a:r>
+            <a:endParaRPr lang="en-US" dirty="0"/>
+          </a:p>
+        </p:txBody>
+      </p:sp>
+      <p:sp>
+        <p:nvSpPr>
+          <p:cNvPr id="3" name="Content Placeholder 2"/>
+          <p:cNvSpPr>
+            <a:spLocks noGrp="1"/>
+          </p:cNvSpPr>
+          <p:nvPr>
+            <p:ph idx="1"/>
+          </p:nvPr>
+        </p:nvSpPr>
+        <p:spPr/>
+        <p:txBody>
+          <a:bodyPr/>
+          <a:lstStyle/>
+          <a:p>
+            <a:r>
+              <a:rPr lang="en-US" dirty="0" err="1"/>
+              <a:t>Config</a:t>
+            </a:r>
+            <a:endParaRPr lang="en-US" dirty="0"/>
+          </a:p>
+          <a:p>
+            <a:r>
+              <a:rPr lang="en-US" dirty="0"/>
+              <a:t>Remote Interaction</a:t>
+            </a:r>
+          </a:p>
+          <a:p>
+            <a:r>
+              <a:rPr lang="en-US" dirty="0"/>
+              <a:t>History Inspection</a:t>
+            </a:r>
+          </a:p>
+          <a:p>
+            <a:r>
+              <a:rPr lang="en-US" dirty="0"/>
+              <a:t>History Manipulation</a:t>
+            </a:r>
+          </a:p>
+          <a:p>
+            <a:r>
+              <a:rPr lang="en-US" dirty="0"/>
+              <a:t>Disaster Recovery</a:t>
+            </a:r>
+          </a:p>
+          <a:p>
+            <a:r>
+              <a:rPr lang="en-US" dirty="0"/>
+              <a:t>Power Tools (bisect, filter-branch)</a:t>
+            </a:r>
+          </a:p>
+          <a:p>
+            <a:endParaRPr lang="en-US" dirty="0"/>
+          </a:p>
+        </p:txBody>
+      </p:sp>
+      <p:sp>
+        <p:nvSpPr>
+          <p:cNvPr id="4" name="Footer Placeholder 3"/>
+          <p:cNvSpPr>
+            <a:spLocks noGrp="1"/>
+          </p:cNvSpPr>
+          <p:nvPr>
+            <p:ph type="ftr" sz="quarter" idx="11"/>
+          </p:nvPr>
+        </p:nvSpPr>
+        <p:spPr/>
+        <p:txBody>
+          <a:bodyPr/>
+          <a:lstStyle/>
+          <a:p>
+            <a:pPr>
+              <a:defRPr/>
+            </a:pPr>
+            <a:r>
+              <a:rPr lang="en-US" smtClean="0"/>
+              <a:t>@dahlbyk #ThatConference</a:t>
+            </a:r>
+            <a:endParaRPr lang="en-US" dirty="0"/>
+          </a:p>
+        </p:txBody>
+      </p:sp>
+    </p:spTree>
+    <p:extLst>
+      <p:ext uri="{BB962C8B-B14F-4D97-AF65-F5344CB8AC3E}">
+        <p14:creationId xmlns:p14="http://schemas.microsoft.com/office/powerpoint/2010/main" val="4170312301"/>
+      </p:ext>
+    </p:extLst>
+  </p:cSld>
+  <p:clrMapOvr>
+    <a:masterClrMapping/>
+  </p:clrMapOvr>
+  <p:timing>
+    <p:tnLst>
+      <p:par>
+        <p:cTn id="1" dur="indefinite" restart="never" nodeType="tmRoot"/>
+      </p:par>
+    </p:tnLst>
+  </p:timing>
+</p:sld>
+</file>
+
+<file path=ppt/slides/slide59.xml><?xml version="1.0" encoding="utf-8"?>
+<p:sld xmlns:a="http://schemas.openxmlformats.org/drawingml/2006/main" xmlns:r="http://schemas.openxmlformats.org/officeDocument/2006/relationships" xmlns:p="http://schemas.openxmlformats.org/presentationml/2006/main">
+  <p:cSld>
+    <p:spTree>
+      <p:nvGrpSpPr>
+        <p:cNvPr id="1" name=""/>
+        <p:cNvGrpSpPr/>
+        <p:nvPr/>
+      </p:nvGrpSpPr>
+      <p:grpSpPr>
+        <a:xfrm>
+          <a:off x="0" y="0"/>
+          <a:ext cx="0" cy="0"/>
+          <a:chOff x="0" y="0"/>
+          <a:chExt cx="0" cy="0"/>
+        </a:xfrm>
+      </p:grpSpPr>
+      <p:sp>
+        <p:nvSpPr>
+          <p:cNvPr id="2" name="Title 1"/>
+          <p:cNvSpPr>
+            <a:spLocks noGrp="1"/>
+          </p:cNvSpPr>
+          <p:nvPr>
+            <p:ph type="title"/>
+          </p:nvPr>
+        </p:nvSpPr>
+        <p:spPr/>
+        <p:txBody>
+          <a:bodyPr/>
+          <a:lstStyle/>
+          <a:p>
+            <a:r>
+              <a:rPr lang="en-US" dirty="0" smtClean="0"/>
+              <a:t>Resources</a:t>
+            </a:r>
+            <a:endParaRPr lang="en-US" dirty="0"/>
+          </a:p>
+        </p:txBody>
+      </p:sp>
+      <p:sp>
+        <p:nvSpPr>
+          <p:cNvPr id="3" name="Content Placeholder 2"/>
+          <p:cNvSpPr>
+            <a:spLocks noGrp="1"/>
+          </p:cNvSpPr>
+          <p:nvPr>
+            <p:ph idx="1"/>
+          </p:nvPr>
+        </p:nvSpPr>
+        <p:spPr/>
+        <p:txBody>
+          <a:bodyPr>
+            <a:noAutofit/>
+          </a:bodyPr>
+          <a:lstStyle/>
+          <a:p>
+            <a:pPr>
+              <a:spcBef>
+                <a:spcPts val="0"/>
+              </a:spcBef>
+              <a:buNone/>
+            </a:pPr>
+            <a:r>
+              <a:rPr lang="en-US" sz="2000" dirty="0">
+                <a:hlinkClick r:id="rId2"/>
+              </a:rPr>
+              <a:t>git-scm.com</a:t>
+            </a:r>
+            <a:endParaRPr lang="en-US" sz="2000" dirty="0"/>
+          </a:p>
+          <a:p>
+            <a:pPr>
+              <a:spcBef>
+                <a:spcPts val="0"/>
+              </a:spcBef>
+              <a:buNone/>
+            </a:pPr>
+            <a:r>
+              <a:rPr lang="en-US" sz="2000" dirty="0">
+                <a:hlinkClick r:id="rId3"/>
+              </a:rPr>
+              <a:t>gitref.org</a:t>
+            </a:r>
+            <a:endParaRPr lang="en-US" sz="2000" dirty="0"/>
+          </a:p>
+          <a:p>
+            <a:pPr>
+              <a:spcBef>
+                <a:spcPts val="0"/>
+              </a:spcBef>
+              <a:buNone/>
+            </a:pPr>
+            <a:r>
+              <a:rPr lang="en-US" sz="2000" dirty="0">
+                <a:hlinkClick r:id="rId4"/>
+              </a:rPr>
+              <a:t>gitready.com</a:t>
+            </a:r>
+            <a:endParaRPr lang="en-US" sz="2000" dirty="0"/>
+          </a:p>
+          <a:p>
+            <a:pPr>
+              <a:spcBef>
+                <a:spcPts val="0"/>
+              </a:spcBef>
+              <a:buNone/>
+            </a:pPr>
+            <a:r>
+              <a:rPr lang="en-US" sz="2000" dirty="0">
+                <a:hlinkClick r:id="rId5"/>
+              </a:rPr>
+              <a:t>think-like-a-git.net</a:t>
+            </a:r>
+            <a:r>
+              <a:rPr lang="en-US" sz="2000" dirty="0"/>
+              <a:t> </a:t>
+            </a:r>
+            <a:endParaRPr lang="en-US" sz="2000" dirty="0"/>
+          </a:p>
+          <a:p>
+            <a:pPr>
+              <a:spcBef>
+                <a:spcPts val="0"/>
+              </a:spcBef>
+              <a:buNone/>
+            </a:pPr>
+            <a:r>
+              <a:rPr lang="en-US" sz="2000" dirty="0">
+                <a:hlinkClick r:id="rId6"/>
+              </a:rPr>
+              <a:t>github.com/</a:t>
+            </a:r>
+            <a:r>
+              <a:rPr lang="en-US" sz="2000" dirty="0" err="1">
+                <a:hlinkClick r:id="rId6"/>
+              </a:rPr>
+              <a:t>dahlbyk</a:t>
+            </a:r>
+            <a:r>
+              <a:rPr lang="en-US" sz="2000" dirty="0">
+                <a:hlinkClick r:id="rId6"/>
+              </a:rPr>
+              <a:t>/posh-</a:t>
+            </a:r>
+            <a:r>
+              <a:rPr lang="en-US" sz="2000" dirty="0" err="1">
+                <a:hlinkClick r:id="rId6"/>
+              </a:rPr>
+              <a:t>git</a:t>
+            </a:r>
+            <a:endParaRPr lang="en-US" sz="2000" dirty="0"/>
+          </a:p>
+          <a:p>
+            <a:pPr>
+              <a:spcBef>
+                <a:spcPts val="0"/>
+              </a:spcBef>
+              <a:buNone/>
+            </a:pPr>
+            <a:endParaRPr lang="en-US" sz="2000" dirty="0"/>
+          </a:p>
+          <a:p>
+            <a:pPr>
+              <a:spcBef>
+                <a:spcPts val="0"/>
+              </a:spcBef>
+              <a:buNone/>
+            </a:pPr>
+            <a:r>
+              <a:rPr lang="en-US" sz="2000" dirty="0">
+                <a:hlinkClick r:id="rId7"/>
+              </a:rPr>
+              <a:t>github.com/</a:t>
+            </a:r>
+            <a:r>
+              <a:rPr lang="en-US" sz="2000" dirty="0" err="1">
+                <a:hlinkClick r:id="rId7"/>
+              </a:rPr>
+              <a:t>dahlbyk</a:t>
+            </a:r>
+            <a:r>
+              <a:rPr lang="en-US" sz="2000" dirty="0">
+                <a:hlinkClick r:id="rId7"/>
+              </a:rPr>
+              <a:t>/Presentations</a:t>
+            </a:r>
+            <a:endParaRPr lang="en-US" sz="2000" dirty="0"/>
+          </a:p>
+          <a:p>
+            <a:pPr algn="ctr">
+              <a:spcBef>
+                <a:spcPts val="0"/>
+              </a:spcBef>
+              <a:buNone/>
+            </a:pPr>
+            <a:endParaRPr lang="en-US" sz="2000" dirty="0"/>
+          </a:p>
+          <a:p>
+            <a:pPr algn="ctr">
+              <a:spcBef>
+                <a:spcPts val="0"/>
+              </a:spcBef>
+              <a:buNone/>
+            </a:pPr>
+            <a:r>
+              <a:rPr lang="en-US" sz="2000" dirty="0"/>
+              <a:t>@</a:t>
+            </a:r>
+            <a:r>
+              <a:rPr lang="en-US" sz="2000" dirty="0" err="1" smtClean="0"/>
+              <a:t>dahlbyk</a:t>
+            </a:r>
+            <a:endParaRPr lang="en-US" sz="2000" dirty="0"/>
+          </a:p>
+        </p:txBody>
+      </p:sp>
+      <p:sp>
+        <p:nvSpPr>
+          <p:cNvPr id="4" name="Footer Placeholder 3"/>
+          <p:cNvSpPr>
+            <a:spLocks noGrp="1"/>
+          </p:cNvSpPr>
+          <p:nvPr>
+            <p:ph type="ftr" sz="quarter" idx="11"/>
+          </p:nvPr>
+        </p:nvSpPr>
+        <p:spPr/>
+        <p:txBody>
+          <a:bodyPr/>
+          <a:lstStyle/>
+          <a:p>
+            <a:pPr>
+              <a:defRPr/>
+            </a:pPr>
+            <a:r>
+              <a:rPr lang="en-US" smtClean="0"/>
+              <a:t>@dahlbyk #ThatConference</a:t>
+            </a:r>
+            <a:endParaRPr lang="en-US" dirty="0"/>
+          </a:p>
+        </p:txBody>
+      </p:sp>
+    </p:spTree>
+    <p:extLst>
+      <p:ext uri="{BB962C8B-B14F-4D97-AF65-F5344CB8AC3E}">
+        <p14:creationId xmlns:p14="http://schemas.microsoft.com/office/powerpoint/2010/main" val="3887497254"/>
+      </p:ext>
+    </p:extLst>
+  </p:cSld>
+  <p:clrMapOvr>
+    <a:masterClrMapping/>
+  </p:clrMapOvr>
+  <mc:AlternateContent xmlns:mc="http://schemas.openxmlformats.org/markup-compatibility/2006">
+    <mc:Choice xmlns:p14="http://schemas.microsoft.com/office/powerpoint/2010/main" Requires="p14">
+      <p:transition spd="slow" p14:dur="2000"/>
+    </mc:Choice>
+    <mc:Fallback>
+      <p:transition spd="slow"/>
+    </mc:Fallback>
+  </mc:AlternateContent>
+  <p:timing>
+    <p:tnLst>
+      <p:par>
+        <p:cTn id="1" dur="indefinite" restart="never" nodeType="tmRoot"/>
+      </p:par>
+    </p:tnLst>
+  </p:timing>
+</p:sld>
+</file>
+
+<file path=ppt/slides/slide6.xml><?xml version="1.0" encoding="utf-8"?>
+<p:sld xmlns:a="http://schemas.openxmlformats.org/drawingml/2006/main" xmlns:r="http://schemas.openxmlformats.org/officeDocument/2006/relationships" xmlns:p="http://schemas.openxmlformats.org/presentationml/2006/main">
+  <p:cSld>
+    <p:spTree>
+      <p:nvGrpSpPr>
+        <p:cNvPr id="1" name=""/>
+        <p:cNvGrpSpPr/>
+        <p:nvPr/>
+      </p:nvGrpSpPr>
+      <p:grpSpPr>
+        <a:xfrm>
+          <a:off x="0" y="0"/>
+          <a:ext cx="0" cy="0"/>
+          <a:chOff x="0" y="0"/>
+          <a:chExt cx="0" cy="0"/>
+        </a:xfrm>
+      </p:grpSpPr>
+      <p:sp>
+        <p:nvSpPr>
+          <p:cNvPr id="4" name="Title 3"/>
+          <p:cNvSpPr>
+            <a:spLocks noGrp="1"/>
+          </p:cNvSpPr>
+          <p:nvPr>
+            <p:ph type="title"/>
+          </p:nvPr>
+        </p:nvSpPr>
+        <p:spPr/>
+        <p:txBody>
+          <a:bodyPr/>
+          <a:lstStyle/>
+          <a:p>
+            <a:r>
+              <a:rPr lang="en-US" smtClean="0"/>
+              <a:t>Config</a:t>
+            </a:r>
+            <a:endParaRPr lang="en-US" dirty="0"/>
+          </a:p>
+        </p:txBody>
+      </p:sp>
+      <p:sp>
+        <p:nvSpPr>
+          <p:cNvPr id="9" name="Text Placeholder 8"/>
+          <p:cNvSpPr>
+            <a:spLocks noGrp="1"/>
+          </p:cNvSpPr>
+          <p:nvPr>
+            <p:ph type="body" idx="1"/>
+          </p:nvPr>
+        </p:nvSpPr>
+        <p:spPr/>
+        <p:txBody>
+          <a:bodyPr/>
+          <a:lstStyle/>
+          <a:p>
+            <a:endParaRPr lang="en-US"/>
+          </a:p>
+        </p:txBody>
+      </p:sp>
+      <p:sp>
+        <p:nvSpPr>
+          <p:cNvPr id="8" name="Footer Placeholder 7"/>
+          <p:cNvSpPr>
+            <a:spLocks noGrp="1"/>
+          </p:cNvSpPr>
+          <p:nvPr>
+            <p:ph type="ftr" sz="quarter" idx="11"/>
+          </p:nvPr>
+        </p:nvSpPr>
+        <p:spPr/>
+        <p:txBody>
+          <a:bodyPr/>
+          <a:lstStyle/>
+          <a:p>
+            <a:pPr>
+              <a:defRPr/>
+            </a:pPr>
+            <a:r>
+              <a:rPr lang="en-US" smtClean="0"/>
+              <a:t>@dahlbyk #ThatConference</a:t>
+            </a:r>
+            <a:endParaRPr lang="en-US" dirty="0"/>
+          </a:p>
+        </p:txBody>
+      </p:sp>
+    </p:spTree>
+    <p:extLst>
+      <p:ext uri="{BB962C8B-B14F-4D97-AF65-F5344CB8AC3E}">
+        <p14:creationId xmlns:p14="http://schemas.microsoft.com/office/powerpoint/2010/main" val="527060059"/>
+      </p:ext>
+    </p:extLst>
+  </p:cSld>
+  <p:clrMapOvr>
+    <a:masterClrMapping/>
+  </p:clrMapOvr>
+  <p:timing>
+    <p:tnLst>
+      <p:par>
+        <p:cTn id="1" dur="indefinite" restart="never" nodeType="tmRoot"/>
+      </p:par>
+    </p:tnLst>
+  </p:timing>
+</p:sld>
+</file>
+
+<file path=ppt/slides/slide60.xml><?xml version="1.0" encoding="utf-8"?>
 <p:sld xmlns:a="http://schemas.openxmlformats.org/drawingml/2006/main" xmlns:r="http://schemas.openxmlformats.org/officeDocument/2006/relationships" xmlns:p="http://schemas.openxmlformats.org/presentationml/2006/main">
   <p:cSld>
     <p:spTree>
@@ -41189,111 +43692,6 @@
     <p:extLst>
       <p:ext uri="{BB962C8B-B14F-4D97-AF65-F5344CB8AC3E}">
         <p14:creationId xmlns:p14="http://schemas.microsoft.com/office/powerpoint/2010/main" val="982283905"/>
-      </p:ext>
-    </p:extLst>
-  </p:cSld>
-  <p:clrMapOvr>
-    <a:masterClrMapping/>
-  </p:clrMapOvr>
-  <p:timing>
-    <p:tnLst>
-      <p:par>
-        <p:cTn id="1" dur="indefinite" restart="never" nodeType="tmRoot"/>
-      </p:par>
-    </p:tnLst>
-  </p:timing>
-</p:sld>
-</file>
-
-<file path=ppt/slides/slide6.xml><?xml version="1.0" encoding="utf-8"?>
-<p:sld xmlns:a="http://schemas.openxmlformats.org/drawingml/2006/main" xmlns:r="http://schemas.openxmlformats.org/officeDocument/2006/relationships" xmlns:p="http://schemas.openxmlformats.org/presentationml/2006/main">
-  <p:cSld>
-    <p:spTree>
-      <p:nvGrpSpPr>
-        <p:cNvPr id="1" name=""/>
-        <p:cNvGrpSpPr/>
-        <p:nvPr/>
-      </p:nvGrpSpPr>
-      <p:grpSpPr>
-        <a:xfrm>
-          <a:off x="0" y="0"/>
-          <a:ext cx="0" cy="0"/>
-          <a:chOff x="0" y="0"/>
-          <a:chExt cx="0" cy="0"/>
-        </a:xfrm>
-      </p:grpSpPr>
-      <p:sp>
-        <p:nvSpPr>
-          <p:cNvPr id="4" name="Title 3"/>
-          <p:cNvSpPr>
-            <a:spLocks noGrp="1"/>
-          </p:cNvSpPr>
-          <p:nvPr>
-            <p:ph type="title"/>
-          </p:nvPr>
-        </p:nvSpPr>
-        <p:spPr/>
-        <p:txBody>
-          <a:bodyPr/>
-          <a:lstStyle/>
-          <a:p>
-            <a:r>
-              <a:rPr lang="en-US" smtClean="0"/>
-              <a:t>Config</a:t>
-            </a:r>
-            <a:endParaRPr lang="en-US" dirty="0"/>
-          </a:p>
-        </p:txBody>
-      </p:sp>
-      <p:sp>
-        <p:nvSpPr>
-          <p:cNvPr id="9" name="Text Placeholder 8"/>
-          <p:cNvSpPr>
-            <a:spLocks noGrp="1"/>
-          </p:cNvSpPr>
-          <p:nvPr>
-            <p:ph type="body" idx="1"/>
-          </p:nvPr>
-        </p:nvSpPr>
-        <p:spPr/>
-        <p:txBody>
-          <a:bodyPr/>
-          <a:lstStyle/>
-          <a:p>
-            <a:endParaRPr lang="en-US"/>
-          </a:p>
-        </p:txBody>
-      </p:sp>
-      <p:sp>
-        <p:nvSpPr>
-          <p:cNvPr id="8" name="Footer Placeholder 7"/>
-          <p:cNvSpPr>
-            <a:spLocks noGrp="1"/>
-          </p:cNvSpPr>
-          <p:nvPr>
-            <p:ph type="ftr" sz="quarter" idx="11"/>
-          </p:nvPr>
-        </p:nvSpPr>
-        <p:spPr/>
-        <p:txBody>
-          <a:bodyPr/>
-          <a:lstStyle/>
-          <a:p>
-            <a:pPr>
-              <a:defRPr/>
-            </a:pPr>
-            <a:r>
-              <a:rPr lang="en-US" smtClean="0"/>
-              <a:t>@dahlbyk #ThatConference</a:t>
-            </a:r>
-            <a:endParaRPr lang="en-US" dirty="0"/>
-          </a:p>
-        </p:txBody>
-      </p:sp>
-    </p:spTree>
-    <p:extLst>
-      <p:ext uri="{BB962C8B-B14F-4D97-AF65-F5344CB8AC3E}">
-        <p14:creationId xmlns:p14="http://schemas.microsoft.com/office/powerpoint/2010/main" val="527060059"/>
       </p:ext>
     </p:extLst>
   </p:cSld>
